--- a/resource/datasource.pptx
+++ b/resource/datasource.pptx
@@ -7,6 +7,8 @@
   <p:sldIdLst>
     <p:sldId id="256" r:id="rId2"/>
     <p:sldId id="257" r:id="rId3"/>
+    <p:sldId id="258" r:id="rId4"/>
+    <p:sldId id="259" r:id="rId5"/>
   </p:sldIdLst>
   <p:sldSz cx="9144000" cy="6858000" type="screen4x3"/>
   <p:notesSz cx="6858000" cy="9144000"/>
@@ -105,6 +107,22 @@
       </a:defRPr>
     </a:lvl9pPr>
   </p:defaultTextStyle>
+  <p:extLst>
+    <p:ext uri="{EFAFB233-063F-42B5-8137-9DF3F51BA10A}">
+      <p15:sldGuideLst xmlns:p15="http://schemas.microsoft.com/office/powerpoint/2012/main">
+        <p15:guide id="1" orient="horz" pos="2160">
+          <p15:clr>
+            <a:srgbClr val="A4A3A4"/>
+          </p15:clr>
+        </p15:guide>
+        <p15:guide id="2" pos="2880">
+          <p15:clr>
+            <a:srgbClr val="A4A3A4"/>
+          </p15:clr>
+        </p15:guide>
+      </p15:sldGuideLst>
+    </p:ext>
+  </p:extLst>
 </p:presentation>
 </file>
 
@@ -146,10 +164,9 @@
           <a:lstStyle/>
           <a:p>
             <a:r>
-              <a:rPr lang="zh-CN" altLang="en-US" smtClean="0"/>
+              <a:rPr lang="zh-CN" altLang="en-US"/>
               <a:t>单击此处编辑母版标题样式</a:t>
             </a:r>
-            <a:endParaRPr lang="zh-CN" altLang="en-US"/>
           </a:p>
         </p:txBody>
       </p:sp>
@@ -265,10 +282,9 @@
           </a:lstStyle>
           <a:p>
             <a:r>
-              <a:rPr lang="zh-CN" altLang="en-US" smtClean="0"/>
+              <a:rPr lang="zh-CN" altLang="en-US"/>
               <a:t>单击此处编辑母版副标题样式</a:t>
             </a:r>
-            <a:endParaRPr lang="zh-CN" altLang="en-US"/>
           </a:p>
         </p:txBody>
       </p:sp>
@@ -289,7 +305,7 @@
           <a:p>
             <a:fld id="{5DD1E50B-4C7E-4282-9A16-7EDB1AF6848A}" type="datetimeFigureOut">
               <a:rPr lang="zh-CN" altLang="en-US" smtClean="0"/>
-              <a:t>2022/3/18</a:t>
+              <a:t>2022/3/24</a:t>
             </a:fld>
             <a:endParaRPr lang="zh-CN" altLang="en-US"/>
           </a:p>
@@ -383,10 +399,9 @@
           <a:lstStyle/>
           <a:p>
             <a:r>
-              <a:rPr lang="zh-CN" altLang="en-US" smtClean="0"/>
+              <a:rPr lang="zh-CN" altLang="en-US"/>
               <a:t>单击此处编辑母版标题样式</a:t>
             </a:r>
-            <a:endParaRPr lang="zh-CN" altLang="en-US"/>
           </a:p>
         </p:txBody>
       </p:sp>
@@ -407,38 +422,37 @@
           <a:p>
             <a:pPr lvl="0"/>
             <a:r>
-              <a:rPr lang="zh-CN" altLang="en-US" smtClean="0"/>
+              <a:rPr lang="zh-CN" altLang="en-US"/>
               <a:t>单击此处编辑母版文本样式</a:t>
             </a:r>
           </a:p>
           <a:p>
             <a:pPr lvl="1"/>
             <a:r>
-              <a:rPr lang="zh-CN" altLang="en-US" smtClean="0"/>
+              <a:rPr lang="zh-CN" altLang="en-US"/>
               <a:t>第二级</a:t>
             </a:r>
           </a:p>
           <a:p>
             <a:pPr lvl="2"/>
             <a:r>
-              <a:rPr lang="zh-CN" altLang="en-US" smtClean="0"/>
+              <a:rPr lang="zh-CN" altLang="en-US"/>
               <a:t>第三级</a:t>
             </a:r>
           </a:p>
           <a:p>
             <a:pPr lvl="3"/>
             <a:r>
-              <a:rPr lang="zh-CN" altLang="en-US" smtClean="0"/>
+              <a:rPr lang="zh-CN" altLang="en-US"/>
               <a:t>第四级</a:t>
             </a:r>
           </a:p>
           <a:p>
             <a:pPr lvl="4"/>
             <a:r>
-              <a:rPr lang="zh-CN" altLang="en-US" smtClean="0"/>
+              <a:rPr lang="zh-CN" altLang="en-US"/>
               <a:t>第五级</a:t>
             </a:r>
-            <a:endParaRPr lang="zh-CN" altLang="en-US"/>
           </a:p>
         </p:txBody>
       </p:sp>
@@ -459,7 +473,7 @@
           <a:p>
             <a:fld id="{5DD1E50B-4C7E-4282-9A16-7EDB1AF6848A}" type="datetimeFigureOut">
               <a:rPr lang="zh-CN" altLang="en-US" smtClean="0"/>
-              <a:t>2022/3/18</a:t>
+              <a:t>2022/3/24</a:t>
             </a:fld>
             <a:endParaRPr lang="zh-CN" altLang="en-US"/>
           </a:p>
@@ -558,10 +572,9 @@
           <a:lstStyle/>
           <a:p>
             <a:r>
-              <a:rPr lang="zh-CN" altLang="en-US" smtClean="0"/>
+              <a:rPr lang="zh-CN" altLang="en-US"/>
               <a:t>单击此处编辑母版标题样式</a:t>
             </a:r>
-            <a:endParaRPr lang="zh-CN" altLang="en-US"/>
           </a:p>
         </p:txBody>
       </p:sp>
@@ -587,38 +600,37 @@
           <a:p>
             <a:pPr lvl="0"/>
             <a:r>
-              <a:rPr lang="zh-CN" altLang="en-US" smtClean="0"/>
+              <a:rPr lang="zh-CN" altLang="en-US"/>
               <a:t>单击此处编辑母版文本样式</a:t>
             </a:r>
           </a:p>
           <a:p>
             <a:pPr lvl="1"/>
             <a:r>
-              <a:rPr lang="zh-CN" altLang="en-US" smtClean="0"/>
+              <a:rPr lang="zh-CN" altLang="en-US"/>
               <a:t>第二级</a:t>
             </a:r>
           </a:p>
           <a:p>
             <a:pPr lvl="2"/>
             <a:r>
-              <a:rPr lang="zh-CN" altLang="en-US" smtClean="0"/>
+              <a:rPr lang="zh-CN" altLang="en-US"/>
               <a:t>第三级</a:t>
             </a:r>
           </a:p>
           <a:p>
             <a:pPr lvl="3"/>
             <a:r>
-              <a:rPr lang="zh-CN" altLang="en-US" smtClean="0"/>
+              <a:rPr lang="zh-CN" altLang="en-US"/>
               <a:t>第四级</a:t>
             </a:r>
           </a:p>
           <a:p>
             <a:pPr lvl="4"/>
             <a:r>
-              <a:rPr lang="zh-CN" altLang="en-US" smtClean="0"/>
+              <a:rPr lang="zh-CN" altLang="en-US"/>
               <a:t>第五级</a:t>
             </a:r>
-            <a:endParaRPr lang="zh-CN" altLang="en-US"/>
           </a:p>
         </p:txBody>
       </p:sp>
@@ -639,7 +651,7 @@
           <a:p>
             <a:fld id="{5DD1E50B-4C7E-4282-9A16-7EDB1AF6848A}" type="datetimeFigureOut">
               <a:rPr lang="zh-CN" altLang="en-US" smtClean="0"/>
-              <a:t>2022/3/18</a:t>
+              <a:t>2022/3/24</a:t>
             </a:fld>
             <a:endParaRPr lang="zh-CN" altLang="en-US"/>
           </a:p>
@@ -733,10 +745,9 @@
           <a:lstStyle/>
           <a:p>
             <a:r>
-              <a:rPr lang="zh-CN" altLang="en-US" smtClean="0"/>
+              <a:rPr lang="zh-CN" altLang="en-US"/>
               <a:t>单击此处编辑母版标题样式</a:t>
             </a:r>
-            <a:endParaRPr lang="zh-CN" altLang="en-US"/>
           </a:p>
         </p:txBody>
       </p:sp>
@@ -757,38 +768,37 @@
           <a:p>
             <a:pPr lvl="0"/>
             <a:r>
-              <a:rPr lang="zh-CN" altLang="en-US" smtClean="0"/>
+              <a:rPr lang="zh-CN" altLang="en-US"/>
               <a:t>单击此处编辑母版文本样式</a:t>
             </a:r>
           </a:p>
           <a:p>
             <a:pPr lvl="1"/>
             <a:r>
-              <a:rPr lang="zh-CN" altLang="en-US" smtClean="0"/>
+              <a:rPr lang="zh-CN" altLang="en-US"/>
               <a:t>第二级</a:t>
             </a:r>
           </a:p>
           <a:p>
             <a:pPr lvl="2"/>
             <a:r>
-              <a:rPr lang="zh-CN" altLang="en-US" smtClean="0"/>
+              <a:rPr lang="zh-CN" altLang="en-US"/>
               <a:t>第三级</a:t>
             </a:r>
           </a:p>
           <a:p>
             <a:pPr lvl="3"/>
             <a:r>
-              <a:rPr lang="zh-CN" altLang="en-US" smtClean="0"/>
+              <a:rPr lang="zh-CN" altLang="en-US"/>
               <a:t>第四级</a:t>
             </a:r>
           </a:p>
           <a:p>
             <a:pPr lvl="4"/>
             <a:r>
-              <a:rPr lang="zh-CN" altLang="en-US" smtClean="0"/>
+              <a:rPr lang="zh-CN" altLang="en-US"/>
               <a:t>第五级</a:t>
             </a:r>
-            <a:endParaRPr lang="zh-CN" altLang="en-US"/>
           </a:p>
         </p:txBody>
       </p:sp>
@@ -809,7 +819,7 @@
           <a:p>
             <a:fld id="{5DD1E50B-4C7E-4282-9A16-7EDB1AF6848A}" type="datetimeFigureOut">
               <a:rPr lang="zh-CN" altLang="en-US" smtClean="0"/>
-              <a:t>2022/3/18</a:t>
+              <a:t>2022/3/24</a:t>
             </a:fld>
             <a:endParaRPr lang="zh-CN" altLang="en-US"/>
           </a:p>
@@ -912,10 +922,9 @@
           </a:lstStyle>
           <a:p>
             <a:r>
-              <a:rPr lang="zh-CN" altLang="en-US" smtClean="0"/>
+              <a:rPr lang="zh-CN" altLang="en-US"/>
               <a:t>单击此处编辑母版标题样式</a:t>
             </a:r>
-            <a:endParaRPr lang="zh-CN" altLang="en-US"/>
           </a:p>
         </p:txBody>
       </p:sp>
@@ -1032,7 +1041,7 @@
           <a:p>
             <a:pPr lvl="0"/>
             <a:r>
-              <a:rPr lang="zh-CN" altLang="en-US" smtClean="0"/>
+              <a:rPr lang="zh-CN" altLang="en-US"/>
               <a:t>单击此处编辑母版文本样式</a:t>
             </a:r>
           </a:p>
@@ -1055,7 +1064,7 @@
           <a:p>
             <a:fld id="{5DD1E50B-4C7E-4282-9A16-7EDB1AF6848A}" type="datetimeFigureOut">
               <a:rPr lang="zh-CN" altLang="en-US" smtClean="0"/>
-              <a:t>2022/3/18</a:t>
+              <a:t>2022/3/24</a:t>
             </a:fld>
             <a:endParaRPr lang="zh-CN" altLang="en-US"/>
           </a:p>
@@ -1149,10 +1158,9 @@
           <a:lstStyle/>
           <a:p>
             <a:r>
-              <a:rPr lang="zh-CN" altLang="en-US" smtClean="0"/>
+              <a:rPr lang="zh-CN" altLang="en-US"/>
               <a:t>单击此处编辑母版标题样式</a:t>
             </a:r>
-            <a:endParaRPr lang="zh-CN" altLang="en-US"/>
           </a:p>
         </p:txBody>
       </p:sp>
@@ -1206,38 +1214,37 @@
           <a:p>
             <a:pPr lvl="0"/>
             <a:r>
-              <a:rPr lang="zh-CN" altLang="en-US" smtClean="0"/>
+              <a:rPr lang="zh-CN" altLang="en-US"/>
               <a:t>单击此处编辑母版文本样式</a:t>
             </a:r>
           </a:p>
           <a:p>
             <a:pPr lvl="1"/>
             <a:r>
-              <a:rPr lang="zh-CN" altLang="en-US" smtClean="0"/>
+              <a:rPr lang="zh-CN" altLang="en-US"/>
               <a:t>第二级</a:t>
             </a:r>
           </a:p>
           <a:p>
             <a:pPr lvl="2"/>
             <a:r>
-              <a:rPr lang="zh-CN" altLang="en-US" smtClean="0"/>
+              <a:rPr lang="zh-CN" altLang="en-US"/>
               <a:t>第三级</a:t>
             </a:r>
           </a:p>
           <a:p>
             <a:pPr lvl="3"/>
             <a:r>
-              <a:rPr lang="zh-CN" altLang="en-US" smtClean="0"/>
+              <a:rPr lang="zh-CN" altLang="en-US"/>
               <a:t>第四级</a:t>
             </a:r>
           </a:p>
           <a:p>
             <a:pPr lvl="4"/>
             <a:r>
-              <a:rPr lang="zh-CN" altLang="en-US" smtClean="0"/>
+              <a:rPr lang="zh-CN" altLang="en-US"/>
               <a:t>第五级</a:t>
             </a:r>
-            <a:endParaRPr lang="zh-CN" altLang="en-US"/>
           </a:p>
         </p:txBody>
       </p:sp>
@@ -1291,38 +1298,37 @@
           <a:p>
             <a:pPr lvl="0"/>
             <a:r>
-              <a:rPr lang="zh-CN" altLang="en-US" smtClean="0"/>
+              <a:rPr lang="zh-CN" altLang="en-US"/>
               <a:t>单击此处编辑母版文本样式</a:t>
             </a:r>
           </a:p>
           <a:p>
             <a:pPr lvl="1"/>
             <a:r>
-              <a:rPr lang="zh-CN" altLang="en-US" smtClean="0"/>
+              <a:rPr lang="zh-CN" altLang="en-US"/>
               <a:t>第二级</a:t>
             </a:r>
           </a:p>
           <a:p>
             <a:pPr lvl="2"/>
             <a:r>
-              <a:rPr lang="zh-CN" altLang="en-US" smtClean="0"/>
+              <a:rPr lang="zh-CN" altLang="en-US"/>
               <a:t>第三级</a:t>
             </a:r>
           </a:p>
           <a:p>
             <a:pPr lvl="3"/>
             <a:r>
-              <a:rPr lang="zh-CN" altLang="en-US" smtClean="0"/>
+              <a:rPr lang="zh-CN" altLang="en-US"/>
               <a:t>第四级</a:t>
             </a:r>
           </a:p>
           <a:p>
             <a:pPr lvl="4"/>
             <a:r>
-              <a:rPr lang="zh-CN" altLang="en-US" smtClean="0"/>
+              <a:rPr lang="zh-CN" altLang="en-US"/>
               <a:t>第五级</a:t>
             </a:r>
-            <a:endParaRPr lang="zh-CN" altLang="en-US"/>
           </a:p>
         </p:txBody>
       </p:sp>
@@ -1343,7 +1349,7 @@
           <a:p>
             <a:fld id="{5DD1E50B-4C7E-4282-9A16-7EDB1AF6848A}" type="datetimeFigureOut">
               <a:rPr lang="zh-CN" altLang="en-US" smtClean="0"/>
-              <a:t>2022/3/18</a:t>
+              <a:t>2022/3/24</a:t>
             </a:fld>
             <a:endParaRPr lang="zh-CN" altLang="en-US"/>
           </a:p>
@@ -1441,10 +1447,9 @@
           </a:lstStyle>
           <a:p>
             <a:r>
-              <a:rPr lang="zh-CN" altLang="en-US" smtClean="0"/>
+              <a:rPr lang="zh-CN" altLang="en-US"/>
               <a:t>单击此处编辑母版标题样式</a:t>
             </a:r>
-            <a:endParaRPr lang="zh-CN" altLang="en-US"/>
           </a:p>
         </p:txBody>
       </p:sp>
@@ -1507,7 +1512,7 @@
           <a:p>
             <a:pPr lvl="0"/>
             <a:r>
-              <a:rPr lang="zh-CN" altLang="en-US" smtClean="0"/>
+              <a:rPr lang="zh-CN" altLang="en-US"/>
               <a:t>单击此处编辑母版文本样式</a:t>
             </a:r>
           </a:p>
@@ -1563,38 +1568,37 @@
           <a:p>
             <a:pPr lvl="0"/>
             <a:r>
-              <a:rPr lang="zh-CN" altLang="en-US" smtClean="0"/>
+              <a:rPr lang="zh-CN" altLang="en-US"/>
               <a:t>单击此处编辑母版文本样式</a:t>
             </a:r>
           </a:p>
           <a:p>
             <a:pPr lvl="1"/>
             <a:r>
-              <a:rPr lang="zh-CN" altLang="en-US" smtClean="0"/>
+              <a:rPr lang="zh-CN" altLang="en-US"/>
               <a:t>第二级</a:t>
             </a:r>
           </a:p>
           <a:p>
             <a:pPr lvl="2"/>
             <a:r>
-              <a:rPr lang="zh-CN" altLang="en-US" smtClean="0"/>
+              <a:rPr lang="zh-CN" altLang="en-US"/>
               <a:t>第三级</a:t>
             </a:r>
           </a:p>
           <a:p>
             <a:pPr lvl="3"/>
             <a:r>
-              <a:rPr lang="zh-CN" altLang="en-US" smtClean="0"/>
+              <a:rPr lang="zh-CN" altLang="en-US"/>
               <a:t>第四级</a:t>
             </a:r>
           </a:p>
           <a:p>
             <a:pPr lvl="4"/>
             <a:r>
-              <a:rPr lang="zh-CN" altLang="en-US" smtClean="0"/>
+              <a:rPr lang="zh-CN" altLang="en-US"/>
               <a:t>第五级</a:t>
             </a:r>
-            <a:endParaRPr lang="zh-CN" altLang="en-US"/>
           </a:p>
         </p:txBody>
       </p:sp>
@@ -1657,7 +1661,7 @@
           <a:p>
             <a:pPr lvl="0"/>
             <a:r>
-              <a:rPr lang="zh-CN" altLang="en-US" smtClean="0"/>
+              <a:rPr lang="zh-CN" altLang="en-US"/>
               <a:t>单击此处编辑母版文本样式</a:t>
             </a:r>
           </a:p>
@@ -1713,38 +1717,37 @@
           <a:p>
             <a:pPr lvl="0"/>
             <a:r>
-              <a:rPr lang="zh-CN" altLang="en-US" smtClean="0"/>
+              <a:rPr lang="zh-CN" altLang="en-US"/>
               <a:t>单击此处编辑母版文本样式</a:t>
             </a:r>
           </a:p>
           <a:p>
             <a:pPr lvl="1"/>
             <a:r>
-              <a:rPr lang="zh-CN" altLang="en-US" smtClean="0"/>
+              <a:rPr lang="zh-CN" altLang="en-US"/>
               <a:t>第二级</a:t>
             </a:r>
           </a:p>
           <a:p>
             <a:pPr lvl="2"/>
             <a:r>
-              <a:rPr lang="zh-CN" altLang="en-US" smtClean="0"/>
+              <a:rPr lang="zh-CN" altLang="en-US"/>
               <a:t>第三级</a:t>
             </a:r>
           </a:p>
           <a:p>
             <a:pPr lvl="3"/>
             <a:r>
-              <a:rPr lang="zh-CN" altLang="en-US" smtClean="0"/>
+              <a:rPr lang="zh-CN" altLang="en-US"/>
               <a:t>第四级</a:t>
             </a:r>
           </a:p>
           <a:p>
             <a:pPr lvl="4"/>
             <a:r>
-              <a:rPr lang="zh-CN" altLang="en-US" smtClean="0"/>
+              <a:rPr lang="zh-CN" altLang="en-US"/>
               <a:t>第五级</a:t>
             </a:r>
-            <a:endParaRPr lang="zh-CN" altLang="en-US"/>
           </a:p>
         </p:txBody>
       </p:sp>
@@ -1765,7 +1768,7 @@
           <a:p>
             <a:fld id="{5DD1E50B-4C7E-4282-9A16-7EDB1AF6848A}" type="datetimeFigureOut">
               <a:rPr lang="zh-CN" altLang="en-US" smtClean="0"/>
-              <a:t>2022/3/18</a:t>
+              <a:t>2022/3/24</a:t>
             </a:fld>
             <a:endParaRPr lang="zh-CN" altLang="en-US"/>
           </a:p>
@@ -1859,10 +1862,9 @@
           <a:lstStyle/>
           <a:p>
             <a:r>
-              <a:rPr lang="zh-CN" altLang="en-US" smtClean="0"/>
+              <a:rPr lang="zh-CN" altLang="en-US"/>
               <a:t>单击此处编辑母版标题样式</a:t>
             </a:r>
-            <a:endParaRPr lang="zh-CN" altLang="en-US"/>
           </a:p>
         </p:txBody>
       </p:sp>
@@ -1883,7 +1885,7 @@
           <a:p>
             <a:fld id="{5DD1E50B-4C7E-4282-9A16-7EDB1AF6848A}" type="datetimeFigureOut">
               <a:rPr lang="zh-CN" altLang="en-US" smtClean="0"/>
-              <a:t>2022/3/18</a:t>
+              <a:t>2022/3/24</a:t>
             </a:fld>
             <a:endParaRPr lang="zh-CN" altLang="en-US"/>
           </a:p>
@@ -1978,7 +1980,7 @@
           <a:p>
             <a:fld id="{5DD1E50B-4C7E-4282-9A16-7EDB1AF6848A}" type="datetimeFigureOut">
               <a:rPr lang="zh-CN" altLang="en-US" smtClean="0"/>
-              <a:t>2022/3/18</a:t>
+              <a:t>2022/3/24</a:t>
             </a:fld>
             <a:endParaRPr lang="zh-CN" altLang="en-US"/>
           </a:p>
@@ -2081,10 +2083,9 @@
           </a:lstStyle>
           <a:p>
             <a:r>
-              <a:rPr lang="zh-CN" altLang="en-US" smtClean="0"/>
+              <a:rPr lang="zh-CN" altLang="en-US"/>
               <a:t>单击此处编辑母版标题样式</a:t>
             </a:r>
-            <a:endParaRPr lang="zh-CN" altLang="en-US"/>
           </a:p>
         </p:txBody>
       </p:sp>
@@ -2138,38 +2139,37 @@
           <a:p>
             <a:pPr lvl="0"/>
             <a:r>
-              <a:rPr lang="zh-CN" altLang="en-US" smtClean="0"/>
+              <a:rPr lang="zh-CN" altLang="en-US"/>
               <a:t>单击此处编辑母版文本样式</a:t>
             </a:r>
           </a:p>
           <a:p>
             <a:pPr lvl="1"/>
             <a:r>
-              <a:rPr lang="zh-CN" altLang="en-US" smtClean="0"/>
+              <a:rPr lang="zh-CN" altLang="en-US"/>
               <a:t>第二级</a:t>
             </a:r>
           </a:p>
           <a:p>
             <a:pPr lvl="2"/>
             <a:r>
-              <a:rPr lang="zh-CN" altLang="en-US" smtClean="0"/>
+              <a:rPr lang="zh-CN" altLang="en-US"/>
               <a:t>第三级</a:t>
             </a:r>
           </a:p>
           <a:p>
             <a:pPr lvl="3"/>
             <a:r>
-              <a:rPr lang="zh-CN" altLang="en-US" smtClean="0"/>
+              <a:rPr lang="zh-CN" altLang="en-US"/>
               <a:t>第四级</a:t>
             </a:r>
           </a:p>
           <a:p>
             <a:pPr lvl="4"/>
             <a:r>
-              <a:rPr lang="zh-CN" altLang="en-US" smtClean="0"/>
+              <a:rPr lang="zh-CN" altLang="en-US"/>
               <a:t>第五级</a:t>
             </a:r>
-            <a:endParaRPr lang="zh-CN" altLang="en-US"/>
           </a:p>
         </p:txBody>
       </p:sp>
@@ -2232,7 +2232,7 @@
           <a:p>
             <a:pPr lvl="0"/>
             <a:r>
-              <a:rPr lang="zh-CN" altLang="en-US" smtClean="0"/>
+              <a:rPr lang="zh-CN" altLang="en-US"/>
               <a:t>单击此处编辑母版文本样式</a:t>
             </a:r>
           </a:p>
@@ -2255,7 +2255,7 @@
           <a:p>
             <a:fld id="{5DD1E50B-4C7E-4282-9A16-7EDB1AF6848A}" type="datetimeFigureOut">
               <a:rPr lang="zh-CN" altLang="en-US" smtClean="0"/>
-              <a:t>2022/3/18</a:t>
+              <a:t>2022/3/24</a:t>
             </a:fld>
             <a:endParaRPr lang="zh-CN" altLang="en-US"/>
           </a:p>
@@ -2358,10 +2358,9 @@
           </a:lstStyle>
           <a:p>
             <a:r>
-              <a:rPr lang="zh-CN" altLang="en-US" smtClean="0"/>
+              <a:rPr lang="zh-CN" altLang="en-US"/>
               <a:t>单击此处编辑母版标题样式</a:t>
             </a:r>
-            <a:endParaRPr lang="zh-CN" altLang="en-US"/>
           </a:p>
         </p:txBody>
       </p:sp>
@@ -2485,7 +2484,7 @@
           <a:p>
             <a:pPr lvl="0"/>
             <a:r>
-              <a:rPr lang="zh-CN" altLang="en-US" smtClean="0"/>
+              <a:rPr lang="zh-CN" altLang="en-US"/>
               <a:t>单击此处编辑母版文本样式</a:t>
             </a:r>
           </a:p>
@@ -2508,7 +2507,7 @@
           <a:p>
             <a:fld id="{5DD1E50B-4C7E-4282-9A16-7EDB1AF6848A}" type="datetimeFigureOut">
               <a:rPr lang="zh-CN" altLang="en-US" smtClean="0"/>
-              <a:t>2022/3/18</a:t>
+              <a:t>2022/3/24</a:t>
             </a:fld>
             <a:endParaRPr lang="zh-CN" altLang="en-US"/>
           </a:p>
@@ -2617,10 +2616,9 @@
           <a:lstStyle/>
           <a:p>
             <a:r>
-              <a:rPr lang="zh-CN" altLang="en-US" smtClean="0"/>
+              <a:rPr lang="zh-CN" altLang="en-US"/>
               <a:t>单击此处编辑母版标题样式</a:t>
             </a:r>
-            <a:endParaRPr lang="zh-CN" altLang="en-US"/>
           </a:p>
         </p:txBody>
       </p:sp>
@@ -2651,38 +2649,37 @@
           <a:p>
             <a:pPr lvl="0"/>
             <a:r>
-              <a:rPr lang="zh-CN" altLang="en-US" smtClean="0"/>
+              <a:rPr lang="zh-CN" altLang="en-US"/>
               <a:t>单击此处编辑母版文本样式</a:t>
             </a:r>
           </a:p>
           <a:p>
             <a:pPr lvl="1"/>
             <a:r>
-              <a:rPr lang="zh-CN" altLang="en-US" smtClean="0"/>
+              <a:rPr lang="zh-CN" altLang="en-US"/>
               <a:t>第二级</a:t>
             </a:r>
           </a:p>
           <a:p>
             <a:pPr lvl="2"/>
             <a:r>
-              <a:rPr lang="zh-CN" altLang="en-US" smtClean="0"/>
+              <a:rPr lang="zh-CN" altLang="en-US"/>
               <a:t>第三级</a:t>
             </a:r>
           </a:p>
           <a:p>
             <a:pPr lvl="3"/>
             <a:r>
-              <a:rPr lang="zh-CN" altLang="en-US" smtClean="0"/>
+              <a:rPr lang="zh-CN" altLang="en-US"/>
               <a:t>第四级</a:t>
             </a:r>
           </a:p>
           <a:p>
             <a:pPr lvl="4"/>
             <a:r>
-              <a:rPr lang="zh-CN" altLang="en-US" smtClean="0"/>
+              <a:rPr lang="zh-CN" altLang="en-US"/>
               <a:t>第五级</a:t>
             </a:r>
-            <a:endParaRPr lang="zh-CN" altLang="en-US"/>
           </a:p>
         </p:txBody>
       </p:sp>
@@ -2721,7 +2718,7 @@
           <a:p>
             <a:fld id="{5DD1E50B-4C7E-4282-9A16-7EDB1AF6848A}" type="datetimeFigureOut">
               <a:rPr lang="zh-CN" altLang="en-US" smtClean="0"/>
-              <a:t>2022/3/18</a:t>
+              <a:t>2022/3/24</a:t>
             </a:fld>
             <a:endParaRPr lang="zh-CN" altLang="en-US"/>
           </a:p>
@@ -3134,28 +3131,12 @@
           <a:p>
             <a:pPr algn="ctr"/>
             <a:r>
-              <a:rPr lang="en-US" altLang="zh-CN" sz="1600" dirty="0" smtClean="0">
+              <a:rPr lang="en-US" altLang="zh-CN" sz="1600" dirty="0">
                 <a:solidFill>
                   <a:schemeClr val="tx1"/>
                 </a:solidFill>
               </a:rPr>
-              <a:t>Linkis</a:t>
-            </a:r>
-            <a:r>
-              <a:rPr lang="en-US" altLang="zh-CN" sz="1600" dirty="0">
-                <a:solidFill>
-                  <a:schemeClr val="tx1"/>
-                </a:solidFill>
-              </a:rPr>
-              <a:t> </a:t>
-            </a:r>
-            <a:r>
-              <a:rPr lang="en-US" altLang="zh-CN" sz="1600" dirty="0" smtClean="0">
-                <a:solidFill>
-                  <a:schemeClr val="tx1"/>
-                </a:solidFill>
-              </a:rPr>
-              <a:t>Web</a:t>
+              <a:t>Linkis Web</a:t>
             </a:r>
             <a:endParaRPr lang="zh-CN" altLang="en-US" sz="1600" dirty="0">
               <a:solidFill>
@@ -3203,7 +3184,7 @@
           <a:p>
             <a:pPr algn="ctr"/>
             <a:r>
-              <a:rPr lang="en-US" altLang="zh-CN" sz="1600" dirty="0" smtClean="0">
+              <a:rPr lang="en-US" altLang="zh-CN" sz="1600" dirty="0">
                 <a:solidFill>
                   <a:schemeClr val="tx1"/>
                 </a:solidFill>
@@ -3256,7 +3237,7 @@
           <a:p>
             <a:pPr algn="ctr"/>
             <a:r>
-              <a:rPr lang="en-US" altLang="zh-CN" sz="1600" dirty="0" smtClean="0">
+              <a:rPr lang="en-US" altLang="zh-CN" sz="1600" dirty="0">
                 <a:solidFill>
                   <a:schemeClr val="tx1"/>
                 </a:solidFill>
@@ -3294,7 +3275,7 @@
           <a:lstStyle/>
           <a:p>
             <a:r>
-              <a:rPr lang="en-US" altLang="zh-CN" dirty="0" err="1" smtClean="0">
+              <a:rPr lang="en-US" altLang="zh-CN" dirty="0" err="1">
                 <a:solidFill>
                   <a:schemeClr val="tx2">
                     <a:lumMod val="60000"/>
@@ -3305,7 +3286,7 @@
               <a:t>Linkis</a:t>
             </a:r>
             <a:r>
-              <a:rPr lang="en-US" altLang="zh-CN" dirty="0" smtClean="0">
+              <a:rPr lang="en-US" altLang="zh-CN" dirty="0">
                 <a:solidFill>
                   <a:schemeClr val="tx2">
                     <a:lumMod val="60000"/>
@@ -3316,7 +3297,7 @@
               <a:t>-</a:t>
             </a:r>
             <a:r>
-              <a:rPr lang="en-US" altLang="zh-CN" dirty="0" err="1" smtClean="0">
+              <a:rPr lang="en-US" altLang="zh-CN" dirty="0" err="1">
                 <a:solidFill>
                   <a:schemeClr val="tx2">
                     <a:lumMod val="60000"/>
@@ -3327,7 +3308,7 @@
               <a:t>DataSource</a:t>
             </a:r>
             <a:r>
-              <a:rPr lang="en-US" altLang="zh-CN" dirty="0" smtClean="0">
+              <a:rPr lang="en-US" altLang="zh-CN" dirty="0">
                 <a:solidFill>
                   <a:schemeClr val="tx2">
                     <a:lumMod val="60000"/>
@@ -3335,18 +3316,7 @@
                   </a:schemeClr>
                 </a:solidFill>
               </a:rPr>
-              <a:t>-Manager-Server </a:t>
-            </a:r>
-            <a:r>
-              <a:rPr lang="en-US" altLang="zh-CN" dirty="0">
-                <a:solidFill>
-                  <a:schemeClr val="tx2">
-                    <a:lumMod val="60000"/>
-                    <a:lumOff val="40000"/>
-                  </a:schemeClr>
-                </a:solidFill>
-              </a:rPr>
-              <a:t>Architecture Diagram</a:t>
+              <a:t>-Manager-Server Architecture Diagram</a:t>
             </a:r>
             <a:endParaRPr lang="zh-CN" altLang="en-US" dirty="0">
               <a:solidFill>
@@ -3397,7 +3367,7 @@
           <a:p>
             <a:pPr algn="ctr"/>
             <a:r>
-              <a:rPr lang="en-US" altLang="zh-CN" sz="1600" dirty="0" smtClean="0">
+              <a:rPr lang="en-US" altLang="zh-CN" sz="1600" dirty="0">
                 <a:solidFill>
                   <a:schemeClr val="tx1"/>
                 </a:solidFill>
@@ -3477,7 +3447,7 @@
           <a:p>
             <a:pPr algn="ctr"/>
             <a:r>
-              <a:rPr lang="en-US" altLang="zh-CN" b="1" dirty="0" smtClean="0">
+              <a:rPr lang="en-US" altLang="zh-CN" b="1" dirty="0">
                 <a:solidFill>
                   <a:schemeClr val="tx2">
                     <a:lumMod val="60000"/>
@@ -3491,7 +3461,7 @@
           <a:p>
             <a:pPr algn="ctr"/>
             <a:r>
-              <a:rPr lang="en-US" altLang="zh-CN" b="1" dirty="0" smtClean="0">
+              <a:rPr lang="en-US" altLang="zh-CN" b="1" dirty="0">
                 <a:solidFill>
                   <a:schemeClr val="tx2">
                     <a:lumMod val="60000"/>
@@ -3557,10 +3527,10 @@
           <a:p>
             <a:pPr algn="ctr"/>
             <a:r>
-              <a:rPr lang="en-US" altLang="zh-CN" dirty="0" smtClean="0"/>
+              <a:rPr lang="en-US" altLang="zh-CN" dirty="0"/>
               <a:t>Restful API</a:t>
             </a:r>
-            <a:endParaRPr lang="zh-CN" altLang="en-US" dirty="0" smtClean="0"/>
+            <a:endParaRPr lang="zh-CN" altLang="en-US" dirty="0"/>
           </a:p>
         </p:txBody>
       </p:sp>
@@ -3799,10 +3769,10 @@
           <a:p>
             <a:pPr algn="ctr"/>
             <a:r>
-              <a:rPr lang="en-US" altLang="zh-CN" sz="1400" dirty="0" smtClean="0"/>
+              <a:rPr lang="en-US" altLang="zh-CN" sz="1400" dirty="0"/>
               <a:t>RPC Service</a:t>
             </a:r>
-            <a:endParaRPr lang="zh-CN" altLang="en-US" sz="1400" dirty="0" smtClean="0"/>
+            <a:endParaRPr lang="zh-CN" altLang="en-US" sz="1400" dirty="0"/>
           </a:p>
         </p:txBody>
       </p:sp>
@@ -3852,7 +3822,7 @@
           <a:p>
             <a:pPr algn="ctr"/>
             <a:r>
-              <a:rPr lang="en-US" altLang="zh-CN" dirty="0" smtClean="0">
+              <a:rPr lang="en-US" altLang="zh-CN" dirty="0">
                 <a:solidFill>
                   <a:schemeClr val="tx1"/>
                 </a:solidFill>
@@ -3913,7 +3883,7 @@
           <a:p>
             <a:pPr algn="ctr"/>
             <a:r>
-              <a:rPr lang="en-US" altLang="zh-CN" dirty="0" smtClean="0">
+              <a:rPr lang="en-US" altLang="zh-CN" dirty="0">
                 <a:solidFill>
                   <a:schemeClr val="tx1"/>
                 </a:solidFill>
@@ -3974,7 +3944,7 @@
           <a:p>
             <a:pPr algn="ctr"/>
             <a:r>
-              <a:rPr lang="en-US" altLang="zh-CN" dirty="0" smtClean="0">
+              <a:rPr lang="en-US" altLang="zh-CN" dirty="0">
                 <a:solidFill>
                   <a:schemeClr val="tx1"/>
                 </a:solidFill>
@@ -4035,7 +4005,7 @@
           <a:p>
             <a:pPr algn="ctr"/>
             <a:r>
-              <a:rPr lang="en-US" altLang="zh-CN" dirty="0" err="1" smtClean="0">
+              <a:rPr lang="en-US" altLang="zh-CN" dirty="0" err="1">
                 <a:solidFill>
                   <a:schemeClr val="tx1"/>
                 </a:solidFill>
@@ -4074,7 +4044,7 @@
           <a:p>
             <a:pPr algn="ctr"/>
             <a:r>
-              <a:rPr lang="en-US" altLang="zh-CN" sz="1600" b="1" dirty="0" smtClean="0">
+              <a:rPr lang="en-US" altLang="zh-CN" sz="1600" b="1" dirty="0">
                 <a:solidFill>
                   <a:schemeClr val="tx2">
                     <a:lumMod val="60000"/>
@@ -4084,19 +4054,11 @@
               </a:rPr>
               <a:t>Linkis</a:t>
             </a:r>
-            <a:endParaRPr lang="en-US" altLang="zh-CN" sz="1600" b="1" dirty="0">
-              <a:solidFill>
-                <a:schemeClr val="tx2">
-                  <a:lumMod val="60000"/>
-                  <a:lumOff val="40000"/>
-                </a:schemeClr>
-              </a:solidFill>
-            </a:endParaRPr>
           </a:p>
           <a:p>
             <a:pPr algn="ctr"/>
             <a:r>
-              <a:rPr lang="en-US" altLang="zh-CN" sz="1600" b="1" dirty="0" smtClean="0">
+              <a:rPr lang="en-US" altLang="zh-CN" sz="1600" b="1" dirty="0">
                 <a:solidFill>
                   <a:schemeClr val="tx2">
                     <a:lumMod val="60000"/>
@@ -4106,19 +4068,11 @@
               </a:rPr>
               <a:t>MateStore</a:t>
             </a:r>
-            <a:endParaRPr lang="en-US" altLang="zh-CN" sz="1600" b="1" dirty="0">
-              <a:solidFill>
-                <a:schemeClr val="tx2">
-                  <a:lumMod val="60000"/>
-                  <a:lumOff val="40000"/>
-                </a:schemeClr>
-              </a:solidFill>
-            </a:endParaRPr>
           </a:p>
           <a:p>
             <a:pPr algn="ctr"/>
             <a:r>
-              <a:rPr lang="en-US" altLang="zh-CN" sz="1600" b="1" dirty="0" smtClean="0">
+              <a:rPr lang="en-US" altLang="zh-CN" sz="1600" b="1" dirty="0">
                 <a:solidFill>
                   <a:schemeClr val="tx2">
                     <a:lumMod val="60000"/>
@@ -4177,11 +4131,11 @@
           <a:p>
             <a:pPr algn="ctr"/>
             <a:r>
-              <a:rPr lang="en-US" altLang="zh-CN" dirty="0" smtClean="0"/>
+              <a:rPr lang="en-US" altLang="zh-CN" dirty="0"/>
               <a:t>	</a:t>
             </a:r>
             <a:r>
-              <a:rPr lang="en-US" altLang="zh-CN" sz="1600" dirty="0" smtClean="0">
+              <a:rPr lang="en-US" altLang="zh-CN" sz="1600" dirty="0">
                 <a:solidFill>
                   <a:schemeClr val="tx1"/>
                 </a:solidFill>
@@ -4189,7 +4143,7 @@
               <a:t>Mysql</a:t>
             </a:r>
             <a:r>
-              <a:rPr lang="en-US" altLang="zh-CN" sz="1600" b="1" dirty="0" smtClean="0">
+              <a:rPr lang="en-US" altLang="zh-CN" sz="1600" b="1" dirty="0">
                 <a:solidFill>
                   <a:schemeClr val="tx1"/>
                 </a:solidFill>
@@ -4270,22 +4224,17 @@
           <a:p>
             <a:pPr algn="ctr"/>
             <a:r>
-              <a:rPr lang="en-US" altLang="zh-CN" dirty="0" smtClean="0"/>
+              <a:rPr lang="en-US" altLang="zh-CN" dirty="0"/>
               <a:t>	</a:t>
             </a:r>
             <a:r>
-              <a:rPr lang="en-US" altLang="zh-CN" sz="1600" dirty="0" smtClean="0">
+              <a:rPr lang="en-US" altLang="zh-CN" sz="1600" dirty="0">
                 <a:solidFill>
                   <a:schemeClr val="tx1"/>
                 </a:solidFill>
               </a:rPr>
               <a:t>BML</a:t>
             </a:r>
-            <a:endParaRPr lang="en-US" altLang="zh-CN" sz="1600" dirty="0" smtClean="0">
-              <a:solidFill>
-                <a:schemeClr val="tx1"/>
-              </a:solidFill>
-            </a:endParaRPr>
           </a:p>
         </p:txBody>
       </p:sp>
@@ -4360,7 +4309,7 @@
           <a:p>
             <a:pPr algn="ctr"/>
             <a:r>
-              <a:rPr lang="en-US" altLang="zh-CN" sz="1600" dirty="0" smtClean="0">
+              <a:rPr lang="en-US" altLang="zh-CN" sz="1600" dirty="0">
                 <a:solidFill>
                   <a:schemeClr val="tx1"/>
                 </a:solidFill>
@@ -4413,7 +4362,7 @@
           <a:p>
             <a:pPr algn="ctr"/>
             <a:r>
-              <a:rPr lang="en-US" altLang="zh-CN" dirty="0" smtClean="0">
+              <a:rPr lang="en-US" altLang="zh-CN" dirty="0">
                 <a:solidFill>
                   <a:schemeClr val="tx1"/>
                 </a:solidFill>
@@ -4531,7 +4480,7 @@
           <a:p>
             <a:pPr algn="ctr"/>
             <a:r>
-              <a:rPr lang="en-US" altLang="zh-CN" sz="1600" dirty="0" smtClean="0">
+              <a:rPr lang="en-US" altLang="zh-CN" sz="1600" dirty="0">
                 <a:solidFill>
                   <a:schemeClr val="tx1"/>
                 </a:solidFill>
@@ -4584,7 +4533,7 @@
           <a:p>
             <a:pPr algn="ctr"/>
             <a:r>
-              <a:rPr lang="en-US" altLang="zh-CN" sz="1600" dirty="0" smtClean="0">
+              <a:rPr lang="en-US" altLang="zh-CN" sz="1600" dirty="0">
                 <a:solidFill>
                   <a:schemeClr val="tx1"/>
                 </a:solidFill>
@@ -4622,7 +4571,7 @@
           <a:lstStyle/>
           <a:p>
             <a:r>
-              <a:rPr lang="en-US" altLang="zh-CN" dirty="0" err="1" smtClean="0">
+              <a:rPr lang="en-US" altLang="zh-CN" dirty="0" err="1">
                 <a:solidFill>
                   <a:schemeClr val="tx2">
                     <a:lumMod val="60000"/>
@@ -4633,7 +4582,7 @@
               <a:t>Linkis</a:t>
             </a:r>
             <a:r>
-              <a:rPr lang="en-US" altLang="zh-CN" dirty="0" smtClean="0">
+              <a:rPr lang="en-US" altLang="zh-CN" dirty="0">
                 <a:solidFill>
                   <a:schemeClr val="tx2">
                     <a:lumMod val="60000"/>
@@ -4644,7 +4593,7 @@
               <a:t>-</a:t>
             </a:r>
             <a:r>
-              <a:rPr lang="en-US" altLang="zh-CN" dirty="0" err="1" smtClean="0">
+              <a:rPr lang="en-US" altLang="zh-CN" dirty="0" err="1">
                 <a:solidFill>
                   <a:schemeClr val="tx2">
                     <a:lumMod val="60000"/>
@@ -4655,7 +4604,7 @@
               <a:t>MetaStore</a:t>
             </a:r>
             <a:r>
-              <a:rPr lang="en-US" altLang="zh-CN" dirty="0" smtClean="0">
+              <a:rPr lang="en-US" altLang="zh-CN" dirty="0">
                 <a:solidFill>
                   <a:schemeClr val="tx2">
                     <a:lumMod val="60000"/>
@@ -4663,29 +4612,7 @@
                   </a:schemeClr>
                 </a:solidFill>
               </a:rPr>
-              <a:t>-Manager-Server </a:t>
-            </a:r>
-            <a:r>
-              <a:rPr lang="en-US" altLang="zh-CN" dirty="0">
-                <a:solidFill>
-                  <a:schemeClr val="tx2">
-                    <a:lumMod val="60000"/>
-                    <a:lumOff val="40000"/>
-                  </a:schemeClr>
-                </a:solidFill>
-              </a:rPr>
-              <a:t>Architecture </a:t>
-            </a:r>
-            <a:r>
-              <a:rPr lang="en-US" altLang="zh-CN" dirty="0" smtClean="0">
-                <a:solidFill>
-                  <a:schemeClr val="tx2">
-                    <a:lumMod val="60000"/>
-                    <a:lumOff val="40000"/>
-                  </a:schemeClr>
-                </a:solidFill>
-              </a:rPr>
-              <a:t>Diagram</a:t>
+              <a:t>-Manager-Server Architecture Diagram</a:t>
             </a:r>
             <a:endParaRPr lang="zh-CN" altLang="en-US" dirty="0">
               <a:solidFill>
@@ -4736,7 +4663,7 @@
           <a:p>
             <a:pPr algn="ctr"/>
             <a:r>
-              <a:rPr lang="en-US" altLang="zh-CN" sz="1600" dirty="0" smtClean="0">
+              <a:rPr lang="en-US" altLang="zh-CN" sz="1600" dirty="0">
                 <a:solidFill>
                   <a:schemeClr val="tx1"/>
                 </a:solidFill>
@@ -4816,7 +4743,7 @@
           <a:p>
             <a:pPr algn="ctr"/>
             <a:r>
-              <a:rPr lang="en-US" altLang="zh-CN" b="1" dirty="0" smtClean="0">
+              <a:rPr lang="en-US" altLang="zh-CN" b="1" dirty="0">
                 <a:solidFill>
                   <a:schemeClr val="tx2">
                     <a:lumMod val="60000"/>
@@ -4830,7 +4757,7 @@
           <a:p>
             <a:pPr algn="ctr"/>
             <a:r>
-              <a:rPr lang="en-US" altLang="zh-CN" b="1" dirty="0" smtClean="0">
+              <a:rPr lang="en-US" altLang="zh-CN" b="1" dirty="0">
                 <a:solidFill>
                   <a:schemeClr val="tx2">
                     <a:lumMod val="60000"/>
@@ -4896,10 +4823,10 @@
           <a:p>
             <a:pPr algn="ctr"/>
             <a:r>
-              <a:rPr lang="en-US" altLang="zh-CN" dirty="0" smtClean="0"/>
+              <a:rPr lang="en-US" altLang="zh-CN" dirty="0"/>
               <a:t>Restful API</a:t>
             </a:r>
-            <a:endParaRPr lang="zh-CN" altLang="en-US" dirty="0" smtClean="0"/>
+            <a:endParaRPr lang="zh-CN" altLang="en-US" dirty="0"/>
           </a:p>
         </p:txBody>
       </p:sp>
@@ -5102,10 +5029,10 @@
           <a:p>
             <a:pPr algn="ctr"/>
             <a:r>
-              <a:rPr lang="en-US" altLang="zh-CN" sz="1400" dirty="0" smtClean="0"/>
+              <a:rPr lang="en-US" altLang="zh-CN" sz="1400" dirty="0"/>
               <a:t>RPC Service</a:t>
             </a:r>
-            <a:endParaRPr lang="zh-CN" altLang="en-US" sz="1400" dirty="0" smtClean="0"/>
+            <a:endParaRPr lang="zh-CN" altLang="en-US" sz="1400" dirty="0"/>
           </a:p>
         </p:txBody>
       </p:sp>
@@ -5155,7 +5082,7 @@
           <a:p>
             <a:pPr algn="ctr"/>
             <a:r>
-              <a:rPr lang="en-US" altLang="zh-CN" dirty="0" smtClean="0">
+              <a:rPr lang="en-US" altLang="zh-CN" dirty="0">
                 <a:solidFill>
                   <a:schemeClr val="tx1"/>
                 </a:solidFill>
@@ -5216,7 +5143,7 @@
           <a:p>
             <a:pPr algn="ctr"/>
             <a:r>
-              <a:rPr lang="en-US" altLang="zh-CN" dirty="0" smtClean="0">
+              <a:rPr lang="en-US" altLang="zh-CN" dirty="0">
                 <a:solidFill>
                   <a:schemeClr val="tx1"/>
                 </a:solidFill>
@@ -5277,7 +5204,7 @@
           <a:p>
             <a:pPr algn="ctr"/>
             <a:r>
-              <a:rPr lang="en-US" altLang="zh-CN" dirty="0" smtClean="0">
+              <a:rPr lang="en-US" altLang="zh-CN" dirty="0">
                 <a:solidFill>
                   <a:schemeClr val="tx1"/>
                 </a:solidFill>
@@ -5338,7 +5265,7 @@
           <a:p>
             <a:pPr algn="ctr"/>
             <a:r>
-              <a:rPr lang="en-US" altLang="zh-CN" dirty="0" err="1" smtClean="0">
+              <a:rPr lang="en-US" altLang="zh-CN" dirty="0" err="1">
                 <a:solidFill>
                   <a:schemeClr val="tx1"/>
                 </a:solidFill>
@@ -5377,7 +5304,7 @@
           <a:p>
             <a:pPr algn="ctr"/>
             <a:r>
-              <a:rPr lang="en-US" altLang="zh-CN" sz="1600" b="1" dirty="0" smtClean="0">
+              <a:rPr lang="en-US" altLang="zh-CN" sz="1600" b="1" dirty="0">
                 <a:solidFill>
                   <a:schemeClr val="tx2">
                     <a:lumMod val="60000"/>
@@ -5385,29 +5312,7 @@
                   </a:schemeClr>
                 </a:solidFill>
               </a:rPr>
-              <a:t>Linkis DataSource Manager</a:t>
-            </a:r>
-            <a:r>
-              <a:rPr lang="en-US" altLang="zh-CN" sz="1600" b="1" dirty="0">
-                <a:solidFill>
-                  <a:schemeClr val="tx2">
-                    <a:lumMod val="60000"/>
-                    <a:lumOff val="40000"/>
-                  </a:schemeClr>
-                </a:solidFill>
-              </a:rPr>
-              <a:t> </a:t>
-            </a:r>
-            <a:r>
-              <a:rPr lang="en-US" altLang="zh-CN" sz="1600" b="1" dirty="0" smtClean="0">
-                <a:solidFill>
-                  <a:schemeClr val="tx2">
-                    <a:lumMod val="60000"/>
-                    <a:lumOff val="40000"/>
-                  </a:schemeClr>
-                </a:solidFill>
-              </a:rPr>
-              <a:t>Server</a:t>
+              <a:t>Linkis DataSource Manager Server</a:t>
             </a:r>
             <a:endParaRPr lang="zh-CN" altLang="en-US" sz="1600" b="1" dirty="0">
               <a:solidFill>
@@ -5458,7 +5363,7 @@
           <a:p>
             <a:pPr algn="ctr"/>
             <a:r>
-              <a:rPr lang="en-US" altLang="zh-CN" sz="1600" dirty="0" smtClean="0">
+              <a:rPr lang="en-US" altLang="zh-CN" sz="1600" dirty="0">
                 <a:solidFill>
                   <a:schemeClr val="tx1"/>
                 </a:solidFill>
@@ -5511,7 +5416,7 @@
           <a:p>
             <a:pPr algn="ctr"/>
             <a:r>
-              <a:rPr lang="en-US" altLang="zh-CN" dirty="0" smtClean="0">
+              <a:rPr lang="en-US" altLang="zh-CN" dirty="0">
                 <a:solidFill>
                   <a:schemeClr val="tx1"/>
                 </a:solidFill>
@@ -5565,6 +5470,2108 @@
     <p:extLst>
       <p:ext uri="{BB962C8B-B14F-4D97-AF65-F5344CB8AC3E}">
         <p14:creationId xmlns:p14="http://schemas.microsoft.com/office/powerpoint/2010/main" val="1272581475"/>
+      </p:ext>
+    </p:extLst>
+  </p:cSld>
+  <p:clrMapOvr>
+    <a:masterClrMapping/>
+  </p:clrMapOvr>
+</p:sld>
+</file>
+
+<file path=ppt/slides/slide3.xml><?xml version="1.0" encoding="utf-8"?>
+<p:sld xmlns:a="http://schemas.openxmlformats.org/drawingml/2006/main" xmlns:r="http://schemas.openxmlformats.org/officeDocument/2006/relationships" xmlns:p="http://schemas.openxmlformats.org/presentationml/2006/main">
+  <p:cSld>
+    <p:spTree>
+      <p:nvGrpSpPr>
+        <p:cNvPr id="1" name=""/>
+        <p:cNvGrpSpPr/>
+        <p:nvPr/>
+      </p:nvGrpSpPr>
+      <p:grpSpPr>
+        <a:xfrm>
+          <a:off x="0" y="0"/>
+          <a:ext cx="0" cy="0"/>
+          <a:chOff x="0" y="0"/>
+          <a:chExt cx="0" cy="0"/>
+        </a:xfrm>
+      </p:grpSpPr>
+      <p:sp>
+        <p:nvSpPr>
+          <p:cNvPr id="13" name="圆角矩形 12"/>
+          <p:cNvSpPr/>
+          <p:nvPr/>
+        </p:nvSpPr>
+        <p:spPr>
+          <a:xfrm>
+            <a:off x="3163439" y="476672"/>
+            <a:ext cx="1937595" cy="558034"/>
+          </a:xfrm>
+          <a:prstGeom prst="roundRect">
+            <a:avLst/>
+          </a:prstGeom>
+          <a:noFill/>
+        </p:spPr>
+        <p:style>
+          <a:lnRef idx="2">
+            <a:schemeClr val="accent1">
+              <a:shade val="50000"/>
+            </a:schemeClr>
+          </a:lnRef>
+          <a:fillRef idx="1">
+            <a:schemeClr val="accent1"/>
+          </a:fillRef>
+          <a:effectRef idx="0">
+            <a:schemeClr val="accent1"/>
+          </a:effectRef>
+          <a:fontRef idx="minor">
+            <a:schemeClr val="lt1"/>
+          </a:fontRef>
+        </p:style>
+        <p:txBody>
+          <a:bodyPr rtlCol="0" anchor="ctr"/>
+          <a:lstStyle/>
+          <a:p>
+            <a:pPr algn="ctr"/>
+            <a:r>
+              <a:rPr lang="en-US" altLang="zh-CN" sz="1600">
+                <a:solidFill>
+                  <a:schemeClr val="tx1"/>
+                </a:solidFill>
+              </a:rPr>
+              <a:t>Http request</a:t>
+            </a:r>
+            <a:endParaRPr lang="zh-CN" altLang="en-US" sz="1600" dirty="0">
+              <a:solidFill>
+                <a:schemeClr val="tx1"/>
+              </a:solidFill>
+            </a:endParaRPr>
+          </a:p>
+        </p:txBody>
+      </p:sp>
+      <p:sp>
+        <p:nvSpPr>
+          <p:cNvPr id="14" name="矩形 13"/>
+          <p:cNvSpPr/>
+          <p:nvPr/>
+        </p:nvSpPr>
+        <p:spPr>
+          <a:xfrm>
+            <a:off x="2260028" y="2101378"/>
+            <a:ext cx="3744416" cy="936104"/>
+          </a:xfrm>
+          <a:prstGeom prst="rect">
+            <a:avLst/>
+          </a:prstGeom>
+          <a:noFill/>
+        </p:spPr>
+        <p:style>
+          <a:lnRef idx="2">
+            <a:schemeClr val="accent1">
+              <a:shade val="50000"/>
+            </a:schemeClr>
+          </a:lnRef>
+          <a:fillRef idx="1">
+            <a:schemeClr val="accent1"/>
+          </a:fillRef>
+          <a:effectRef idx="0">
+            <a:schemeClr val="accent1"/>
+          </a:effectRef>
+          <a:fontRef idx="minor">
+            <a:schemeClr val="lt1"/>
+          </a:fontRef>
+        </p:style>
+        <p:txBody>
+          <a:bodyPr rtlCol="0" anchor="ctr"/>
+          <a:lstStyle/>
+          <a:p>
+            <a:pPr algn="ctr"/>
+            <a:endParaRPr lang="zh-CN" altLang="en-US"/>
+          </a:p>
+        </p:txBody>
+      </p:sp>
+      <p:sp>
+        <p:nvSpPr>
+          <p:cNvPr id="15" name="TextBox 14"/>
+          <p:cNvSpPr txBox="1"/>
+          <p:nvPr/>
+        </p:nvSpPr>
+        <p:spPr>
+          <a:xfrm>
+            <a:off x="2260028" y="2480631"/>
+            <a:ext cx="3888432" cy="369332"/>
+          </a:xfrm>
+          <a:prstGeom prst="rect">
+            <a:avLst/>
+          </a:prstGeom>
+          <a:noFill/>
+        </p:spPr>
+        <p:txBody>
+          <a:bodyPr wrap="square" rtlCol="0">
+            <a:spAutoFit/>
+          </a:bodyPr>
+          <a:lstStyle/>
+          <a:p>
+            <a:pPr algn="ctr"/>
+            <a:r>
+              <a:rPr lang="en-US" altLang="zh-CN" b="1">
+                <a:solidFill>
+                  <a:schemeClr val="tx2">
+                    <a:lumMod val="60000"/>
+                    <a:lumOff val="40000"/>
+                  </a:schemeClr>
+                </a:solidFill>
+              </a:rPr>
+              <a:t>Linkis DataSource </a:t>
+            </a:r>
+            <a:r>
+              <a:rPr lang="en-US" altLang="zh-CN" b="1" dirty="0">
+                <a:solidFill>
+                  <a:schemeClr val="tx2">
+                    <a:lumMod val="60000"/>
+                    <a:lumOff val="40000"/>
+                  </a:schemeClr>
+                </a:solidFill>
+              </a:rPr>
+              <a:t>Manager Server</a:t>
+            </a:r>
+            <a:endParaRPr lang="zh-CN" altLang="en-US" b="1" dirty="0">
+              <a:solidFill>
+                <a:schemeClr val="tx2">
+                  <a:lumMod val="60000"/>
+                  <a:lumOff val="40000"/>
+                </a:schemeClr>
+              </a:solidFill>
+            </a:endParaRPr>
+          </a:p>
+        </p:txBody>
+      </p:sp>
+      <p:cxnSp>
+        <p:nvCxnSpPr>
+          <p:cNvPr id="24" name="直接箭头连接符 23"/>
+          <p:cNvCxnSpPr>
+            <a:cxnSpLocks/>
+            <a:stCxn id="13" idx="2"/>
+            <a:endCxn id="14" idx="0"/>
+          </p:cNvCxnSpPr>
+          <p:nvPr/>
+        </p:nvCxnSpPr>
+        <p:spPr>
+          <a:xfrm flipH="1">
+            <a:off x="4132236" y="1034706"/>
+            <a:ext cx="1" cy="1066672"/>
+          </a:xfrm>
+          <a:prstGeom prst="straightConnector1">
+            <a:avLst/>
+          </a:prstGeom>
+          <a:ln>
+            <a:tailEnd type="arrow"/>
+          </a:ln>
+        </p:spPr>
+        <p:style>
+          <a:lnRef idx="1">
+            <a:schemeClr val="accent1"/>
+          </a:lnRef>
+          <a:fillRef idx="0">
+            <a:schemeClr val="accent1"/>
+          </a:fillRef>
+          <a:effectRef idx="0">
+            <a:schemeClr val="accent1"/>
+          </a:effectRef>
+          <a:fontRef idx="minor">
+            <a:schemeClr val="tx1"/>
+          </a:fontRef>
+        </p:style>
+      </p:cxnSp>
+      <p:sp>
+        <p:nvSpPr>
+          <p:cNvPr id="31" name="矩形 30"/>
+          <p:cNvSpPr/>
+          <p:nvPr/>
+        </p:nvSpPr>
+        <p:spPr>
+          <a:xfrm>
+            <a:off x="2627784" y="4693666"/>
+            <a:ext cx="3024336" cy="1499846"/>
+          </a:xfrm>
+          <a:prstGeom prst="rect">
+            <a:avLst/>
+          </a:prstGeom>
+          <a:noFill/>
+          <a:ln>
+            <a:solidFill>
+              <a:schemeClr val="accent5"/>
+            </a:solidFill>
+          </a:ln>
+        </p:spPr>
+        <p:style>
+          <a:lnRef idx="2">
+            <a:schemeClr val="accent1">
+              <a:shade val="50000"/>
+            </a:schemeClr>
+          </a:lnRef>
+          <a:fillRef idx="1">
+            <a:schemeClr val="accent1"/>
+          </a:fillRef>
+          <a:effectRef idx="0">
+            <a:schemeClr val="accent1"/>
+          </a:effectRef>
+          <a:fontRef idx="minor">
+            <a:schemeClr val="lt1"/>
+          </a:fontRef>
+        </p:style>
+        <p:txBody>
+          <a:bodyPr rtlCol="0" anchor="ctr"/>
+          <a:lstStyle/>
+          <a:p>
+            <a:pPr algn="ctr"/>
+            <a:endParaRPr lang="zh-CN" altLang="en-US"/>
+          </a:p>
+        </p:txBody>
+      </p:sp>
+      <p:sp>
+        <p:nvSpPr>
+          <p:cNvPr id="39" name="矩形 38"/>
+          <p:cNvSpPr/>
+          <p:nvPr/>
+        </p:nvSpPr>
+        <p:spPr>
+          <a:xfrm>
+            <a:off x="3019186" y="4922012"/>
+            <a:ext cx="760726" cy="470134"/>
+          </a:xfrm>
+          <a:prstGeom prst="rect">
+            <a:avLst/>
+          </a:prstGeom>
+          <a:noFill/>
+          <a:ln>
+            <a:solidFill>
+              <a:schemeClr val="accent5">
+                <a:lumMod val="60000"/>
+                <a:lumOff val="40000"/>
+              </a:schemeClr>
+            </a:solidFill>
+          </a:ln>
+        </p:spPr>
+        <p:style>
+          <a:lnRef idx="2">
+            <a:schemeClr val="accent1">
+              <a:shade val="50000"/>
+            </a:schemeClr>
+          </a:lnRef>
+          <a:fillRef idx="1">
+            <a:schemeClr val="accent1"/>
+          </a:fillRef>
+          <a:effectRef idx="0">
+            <a:schemeClr val="accent1"/>
+          </a:effectRef>
+          <a:fontRef idx="minor">
+            <a:schemeClr val="lt1"/>
+          </a:fontRef>
+        </p:style>
+        <p:txBody>
+          <a:bodyPr rtlCol="0" anchor="ctr"/>
+          <a:lstStyle/>
+          <a:p>
+            <a:pPr algn="ctr"/>
+            <a:r>
+              <a:rPr lang="en-US" altLang="zh-CN" dirty="0">
+                <a:solidFill>
+                  <a:schemeClr val="tx1"/>
+                </a:solidFill>
+              </a:rPr>
+              <a:t>hive</a:t>
+            </a:r>
+            <a:endParaRPr lang="zh-CN" altLang="en-US" dirty="0">
+              <a:solidFill>
+                <a:schemeClr val="tx1"/>
+              </a:solidFill>
+            </a:endParaRPr>
+          </a:p>
+        </p:txBody>
+      </p:sp>
+      <p:sp>
+        <p:nvSpPr>
+          <p:cNvPr id="40" name="矩形 39"/>
+          <p:cNvSpPr/>
+          <p:nvPr/>
+        </p:nvSpPr>
+        <p:spPr>
+          <a:xfrm>
+            <a:off x="3019186" y="5591684"/>
+            <a:ext cx="739609" cy="470134"/>
+          </a:xfrm>
+          <a:prstGeom prst="rect">
+            <a:avLst/>
+          </a:prstGeom>
+          <a:noFill/>
+          <a:ln>
+            <a:solidFill>
+              <a:schemeClr val="accent5">
+                <a:lumMod val="60000"/>
+                <a:lumOff val="40000"/>
+              </a:schemeClr>
+            </a:solidFill>
+          </a:ln>
+        </p:spPr>
+        <p:style>
+          <a:lnRef idx="2">
+            <a:schemeClr val="accent1">
+              <a:shade val="50000"/>
+            </a:schemeClr>
+          </a:lnRef>
+          <a:fillRef idx="1">
+            <a:schemeClr val="accent1"/>
+          </a:fillRef>
+          <a:effectRef idx="0">
+            <a:schemeClr val="accent1"/>
+          </a:effectRef>
+          <a:fontRef idx="minor">
+            <a:schemeClr val="lt1"/>
+          </a:fontRef>
+        </p:style>
+        <p:txBody>
+          <a:bodyPr rtlCol="0" anchor="ctr"/>
+          <a:lstStyle/>
+          <a:p>
+            <a:pPr algn="ctr"/>
+            <a:r>
+              <a:rPr lang="en-US" altLang="zh-CN" dirty="0">
+                <a:solidFill>
+                  <a:schemeClr val="tx1"/>
+                </a:solidFill>
+              </a:rPr>
+              <a:t>es</a:t>
+            </a:r>
+            <a:endParaRPr lang="zh-CN" altLang="en-US" dirty="0">
+              <a:solidFill>
+                <a:schemeClr val="tx1"/>
+              </a:solidFill>
+            </a:endParaRPr>
+          </a:p>
+        </p:txBody>
+      </p:sp>
+      <p:sp>
+        <p:nvSpPr>
+          <p:cNvPr id="41" name="矩形 40"/>
+          <p:cNvSpPr/>
+          <p:nvPr/>
+        </p:nvSpPr>
+        <p:spPr>
+          <a:xfrm>
+            <a:off x="4355976" y="4943612"/>
+            <a:ext cx="829603" cy="470134"/>
+          </a:xfrm>
+          <a:prstGeom prst="rect">
+            <a:avLst/>
+          </a:prstGeom>
+          <a:noFill/>
+          <a:ln>
+            <a:solidFill>
+              <a:schemeClr val="accent5">
+                <a:lumMod val="60000"/>
+                <a:lumOff val="40000"/>
+              </a:schemeClr>
+            </a:solidFill>
+          </a:ln>
+        </p:spPr>
+        <p:style>
+          <a:lnRef idx="2">
+            <a:schemeClr val="accent1">
+              <a:shade val="50000"/>
+            </a:schemeClr>
+          </a:lnRef>
+          <a:fillRef idx="1">
+            <a:schemeClr val="accent1"/>
+          </a:fillRef>
+          <a:effectRef idx="0">
+            <a:schemeClr val="accent1"/>
+          </a:effectRef>
+          <a:fontRef idx="minor">
+            <a:schemeClr val="lt1"/>
+          </a:fontRef>
+        </p:style>
+        <p:txBody>
+          <a:bodyPr rtlCol="0" anchor="ctr"/>
+          <a:lstStyle/>
+          <a:p>
+            <a:pPr algn="ctr"/>
+            <a:r>
+              <a:rPr lang="en-US" altLang="zh-CN" dirty="0">
+                <a:solidFill>
+                  <a:schemeClr val="tx1"/>
+                </a:solidFill>
+              </a:rPr>
+              <a:t>kafka</a:t>
+            </a:r>
+            <a:endParaRPr lang="zh-CN" altLang="en-US" dirty="0">
+              <a:solidFill>
+                <a:schemeClr val="tx1"/>
+              </a:solidFill>
+            </a:endParaRPr>
+          </a:p>
+        </p:txBody>
+      </p:sp>
+      <p:sp>
+        <p:nvSpPr>
+          <p:cNvPr id="42" name="矩形 41"/>
+          <p:cNvSpPr/>
+          <p:nvPr/>
+        </p:nvSpPr>
+        <p:spPr>
+          <a:xfrm>
+            <a:off x="4355976" y="5566555"/>
+            <a:ext cx="829603" cy="470134"/>
+          </a:xfrm>
+          <a:prstGeom prst="rect">
+            <a:avLst/>
+          </a:prstGeom>
+          <a:noFill/>
+          <a:ln>
+            <a:solidFill>
+              <a:schemeClr val="accent5">
+                <a:lumMod val="60000"/>
+                <a:lumOff val="40000"/>
+              </a:schemeClr>
+            </a:solidFill>
+          </a:ln>
+        </p:spPr>
+        <p:style>
+          <a:lnRef idx="2">
+            <a:schemeClr val="accent1">
+              <a:shade val="50000"/>
+            </a:schemeClr>
+          </a:lnRef>
+          <a:fillRef idx="1">
+            <a:schemeClr val="accent1"/>
+          </a:fillRef>
+          <a:effectRef idx="0">
+            <a:schemeClr val="accent1"/>
+          </a:effectRef>
+          <a:fontRef idx="minor">
+            <a:schemeClr val="lt1"/>
+          </a:fontRef>
+        </p:style>
+        <p:txBody>
+          <a:bodyPr rtlCol="0" anchor="ctr"/>
+          <a:lstStyle/>
+          <a:p>
+            <a:pPr algn="ctr"/>
+            <a:r>
+              <a:rPr lang="en-US" altLang="zh-CN" dirty="0" err="1">
+                <a:solidFill>
+                  <a:schemeClr val="tx1"/>
+                </a:solidFill>
+              </a:rPr>
+              <a:t>mysql</a:t>
+            </a:r>
+            <a:endParaRPr lang="zh-CN" altLang="en-US" dirty="0">
+              <a:solidFill>
+                <a:schemeClr val="tx1"/>
+              </a:solidFill>
+            </a:endParaRPr>
+          </a:p>
+        </p:txBody>
+      </p:sp>
+      <p:sp>
+        <p:nvSpPr>
+          <p:cNvPr id="44" name="TextBox 43"/>
+          <p:cNvSpPr txBox="1"/>
+          <p:nvPr/>
+        </p:nvSpPr>
+        <p:spPr>
+          <a:xfrm>
+            <a:off x="2363937" y="3951369"/>
+            <a:ext cx="3333260" cy="338554"/>
+          </a:xfrm>
+          <a:prstGeom prst="rect">
+            <a:avLst/>
+          </a:prstGeom>
+          <a:noFill/>
+        </p:spPr>
+        <p:txBody>
+          <a:bodyPr wrap="square" rtlCol="0">
+            <a:spAutoFit/>
+          </a:bodyPr>
+          <a:lstStyle/>
+          <a:p>
+            <a:pPr algn="ctr"/>
+            <a:r>
+              <a:rPr lang="en-US" altLang="zh-CN" sz="1600" b="1">
+                <a:solidFill>
+                  <a:schemeClr val="tx2">
+                    <a:lumMod val="60000"/>
+                    <a:lumOff val="40000"/>
+                  </a:schemeClr>
+                </a:solidFill>
+              </a:rPr>
+              <a:t>Linkis MateStore Server</a:t>
+            </a:r>
+            <a:endParaRPr lang="zh-CN" altLang="en-US" sz="1600" b="1" dirty="0">
+              <a:solidFill>
+                <a:schemeClr val="tx2">
+                  <a:lumMod val="60000"/>
+                  <a:lumOff val="40000"/>
+                </a:schemeClr>
+              </a:solidFill>
+            </a:endParaRPr>
+          </a:p>
+        </p:txBody>
+      </p:sp>
+      <p:sp>
+        <p:nvSpPr>
+          <p:cNvPr id="46" name="流程图: 磁盘 45"/>
+          <p:cNvSpPr/>
+          <p:nvPr/>
+        </p:nvSpPr>
+        <p:spPr>
+          <a:xfrm>
+            <a:off x="7062977" y="1855048"/>
+            <a:ext cx="916455" cy="663817"/>
+          </a:xfrm>
+          <a:prstGeom prst="flowChartMagneticDisk">
+            <a:avLst/>
+          </a:prstGeom>
+          <a:noFill/>
+        </p:spPr>
+        <p:style>
+          <a:lnRef idx="2">
+            <a:schemeClr val="accent1">
+              <a:shade val="50000"/>
+            </a:schemeClr>
+          </a:lnRef>
+          <a:fillRef idx="1">
+            <a:schemeClr val="accent1"/>
+          </a:fillRef>
+          <a:effectRef idx="0">
+            <a:schemeClr val="accent1"/>
+          </a:effectRef>
+          <a:fontRef idx="minor">
+            <a:schemeClr val="lt1"/>
+          </a:fontRef>
+        </p:style>
+        <p:txBody>
+          <a:bodyPr rtlCol="0" anchor="ctr"/>
+          <a:lstStyle/>
+          <a:p>
+            <a:pPr algn="ctr"/>
+            <a:r>
+              <a:rPr lang="en-US" altLang="zh-CN" sz="1600">
+                <a:solidFill>
+                  <a:schemeClr val="tx1"/>
+                </a:solidFill>
+              </a:rPr>
+              <a:t>Mysql</a:t>
+            </a:r>
+            <a:r>
+              <a:rPr lang="en-US" altLang="zh-CN" sz="1600" b="1">
+                <a:solidFill>
+                  <a:schemeClr val="tx1"/>
+                </a:solidFill>
+              </a:rPr>
+              <a:t> </a:t>
+            </a:r>
+            <a:endParaRPr lang="en-US" altLang="zh-CN" sz="1600" b="1" dirty="0">
+              <a:solidFill>
+                <a:schemeClr val="tx1"/>
+              </a:solidFill>
+            </a:endParaRPr>
+          </a:p>
+        </p:txBody>
+      </p:sp>
+      <p:cxnSp>
+        <p:nvCxnSpPr>
+          <p:cNvPr id="48" name="直接箭头连接符 47"/>
+          <p:cNvCxnSpPr>
+            <a:cxnSpLocks/>
+            <a:endCxn id="46" idx="2"/>
+          </p:cNvCxnSpPr>
+          <p:nvPr/>
+        </p:nvCxnSpPr>
+        <p:spPr>
+          <a:xfrm flipV="1">
+            <a:off x="6004444" y="2186957"/>
+            <a:ext cx="1058533" cy="400169"/>
+          </a:xfrm>
+          <a:prstGeom prst="straightConnector1">
+            <a:avLst/>
+          </a:prstGeom>
+          <a:ln>
+            <a:tailEnd type="arrow"/>
+          </a:ln>
+        </p:spPr>
+        <p:style>
+          <a:lnRef idx="1">
+            <a:schemeClr val="accent1"/>
+          </a:lnRef>
+          <a:fillRef idx="0">
+            <a:schemeClr val="accent1"/>
+          </a:fillRef>
+          <a:effectRef idx="0">
+            <a:schemeClr val="accent1"/>
+          </a:effectRef>
+          <a:fontRef idx="minor">
+            <a:schemeClr val="tx1"/>
+          </a:fontRef>
+        </p:style>
+      </p:cxnSp>
+      <p:sp>
+        <p:nvSpPr>
+          <p:cNvPr id="25" name="流程图: 磁盘 24"/>
+          <p:cNvSpPr/>
+          <p:nvPr/>
+        </p:nvSpPr>
+        <p:spPr>
+          <a:xfrm>
+            <a:off x="7062977" y="2587126"/>
+            <a:ext cx="916462" cy="763583"/>
+          </a:xfrm>
+          <a:prstGeom prst="flowChartMagneticDisk">
+            <a:avLst/>
+          </a:prstGeom>
+          <a:noFill/>
+        </p:spPr>
+        <p:style>
+          <a:lnRef idx="2">
+            <a:schemeClr val="accent1">
+              <a:shade val="50000"/>
+            </a:schemeClr>
+          </a:lnRef>
+          <a:fillRef idx="1">
+            <a:schemeClr val="accent1"/>
+          </a:fillRef>
+          <a:effectRef idx="0">
+            <a:schemeClr val="accent1"/>
+          </a:effectRef>
+          <a:fontRef idx="minor">
+            <a:schemeClr val="lt1"/>
+          </a:fontRef>
+        </p:style>
+        <p:txBody>
+          <a:bodyPr rtlCol="0" anchor="ctr"/>
+          <a:lstStyle/>
+          <a:p>
+            <a:pPr algn="ctr"/>
+            <a:r>
+              <a:rPr lang="en-US" altLang="zh-CN" sz="1600">
+                <a:solidFill>
+                  <a:schemeClr val="tx1"/>
+                </a:solidFill>
+              </a:rPr>
+              <a:t>BML</a:t>
+            </a:r>
+            <a:endParaRPr lang="en-US" altLang="zh-CN" sz="1600" dirty="0">
+              <a:solidFill>
+                <a:schemeClr val="tx1"/>
+              </a:solidFill>
+            </a:endParaRPr>
+          </a:p>
+        </p:txBody>
+      </p:sp>
+      <p:cxnSp>
+        <p:nvCxnSpPr>
+          <p:cNvPr id="27" name="直接箭头连接符 26"/>
+          <p:cNvCxnSpPr>
+            <a:cxnSpLocks/>
+          </p:cNvCxnSpPr>
+          <p:nvPr/>
+        </p:nvCxnSpPr>
+        <p:spPr>
+          <a:xfrm>
+            <a:off x="6004444" y="2636912"/>
+            <a:ext cx="1058533" cy="328562"/>
+          </a:xfrm>
+          <a:prstGeom prst="straightConnector1">
+            <a:avLst/>
+          </a:prstGeom>
+          <a:ln>
+            <a:tailEnd type="arrow"/>
+          </a:ln>
+        </p:spPr>
+        <p:style>
+          <a:lnRef idx="1">
+            <a:schemeClr val="accent1"/>
+          </a:lnRef>
+          <a:fillRef idx="0">
+            <a:schemeClr val="accent1"/>
+          </a:fillRef>
+          <a:effectRef idx="0">
+            <a:schemeClr val="accent1"/>
+          </a:effectRef>
+          <a:fontRef idx="minor">
+            <a:schemeClr val="tx1"/>
+          </a:fontRef>
+        </p:style>
+      </p:cxnSp>
+      <p:sp>
+        <p:nvSpPr>
+          <p:cNvPr id="11" name="文本框 10">
+            <a:extLst>
+              <a:ext uri="{FF2B5EF4-FFF2-40B4-BE49-F238E27FC236}">
+                <a16:creationId xmlns:a16="http://schemas.microsoft.com/office/drawing/2014/main" id="{D93159C7-A6BC-420D-8A39-81BB9BDAFA6F}"/>
+              </a:ext>
+            </a:extLst>
+          </p:cNvPr>
+          <p:cNvSpPr txBox="1"/>
+          <p:nvPr/>
+        </p:nvSpPr>
+        <p:spPr>
+          <a:xfrm>
+            <a:off x="4112597" y="1222225"/>
+            <a:ext cx="675121" cy="369332"/>
+          </a:xfrm>
+          <a:prstGeom prst="rect">
+            <a:avLst/>
+          </a:prstGeom>
+          <a:noFill/>
+        </p:spPr>
+        <p:txBody>
+          <a:bodyPr wrap="none" rtlCol="0">
+            <a:spAutoFit/>
+          </a:bodyPr>
+          <a:lstStyle/>
+          <a:p>
+            <a:r>
+              <a:rPr lang="en-US" altLang="zh-CN"/>
+              <a:t>HTTP</a:t>
+            </a:r>
+            <a:endParaRPr lang="zh-CN" altLang="en-US"/>
+          </a:p>
+        </p:txBody>
+      </p:sp>
+      <p:sp>
+        <p:nvSpPr>
+          <p:cNvPr id="43" name="矩形 42">
+            <a:extLst>
+              <a:ext uri="{FF2B5EF4-FFF2-40B4-BE49-F238E27FC236}">
+                <a16:creationId xmlns:a16="http://schemas.microsoft.com/office/drawing/2014/main" id="{649950C7-FC0F-4CC6-94F4-C9DB3B5D1079}"/>
+              </a:ext>
+            </a:extLst>
+          </p:cNvPr>
+          <p:cNvSpPr/>
+          <p:nvPr/>
+        </p:nvSpPr>
+        <p:spPr>
+          <a:xfrm>
+            <a:off x="2267744" y="3951369"/>
+            <a:ext cx="3744415" cy="2398480"/>
+          </a:xfrm>
+          <a:prstGeom prst="rect">
+            <a:avLst/>
+          </a:prstGeom>
+          <a:noFill/>
+        </p:spPr>
+        <p:style>
+          <a:lnRef idx="2">
+            <a:schemeClr val="accent1">
+              <a:shade val="50000"/>
+            </a:schemeClr>
+          </a:lnRef>
+          <a:fillRef idx="1">
+            <a:schemeClr val="accent1"/>
+          </a:fillRef>
+          <a:effectRef idx="0">
+            <a:schemeClr val="accent1"/>
+          </a:effectRef>
+          <a:fontRef idx="minor">
+            <a:schemeClr val="lt1"/>
+          </a:fontRef>
+        </p:style>
+        <p:txBody>
+          <a:bodyPr rtlCol="0" anchor="ctr"/>
+          <a:lstStyle/>
+          <a:p>
+            <a:pPr algn="ctr"/>
+            <a:endParaRPr lang="zh-CN" altLang="en-US"/>
+          </a:p>
+        </p:txBody>
+      </p:sp>
+      <p:cxnSp>
+        <p:nvCxnSpPr>
+          <p:cNvPr id="45" name="直接箭头连接符 44">
+            <a:extLst>
+              <a:ext uri="{FF2B5EF4-FFF2-40B4-BE49-F238E27FC236}">
+                <a16:creationId xmlns:a16="http://schemas.microsoft.com/office/drawing/2014/main" id="{4A27FDBB-F066-4CB0-93D2-69EC04537E3F}"/>
+              </a:ext>
+            </a:extLst>
+          </p:cNvPr>
+          <p:cNvCxnSpPr>
+            <a:cxnSpLocks/>
+            <a:endCxn id="43" idx="0"/>
+          </p:cNvCxnSpPr>
+          <p:nvPr/>
+        </p:nvCxnSpPr>
+        <p:spPr>
+          <a:xfrm>
+            <a:off x="4129679" y="3037482"/>
+            <a:ext cx="10273" cy="913887"/>
+          </a:xfrm>
+          <a:prstGeom prst="straightConnector1">
+            <a:avLst/>
+          </a:prstGeom>
+          <a:ln>
+            <a:tailEnd type="arrow"/>
+          </a:ln>
+        </p:spPr>
+        <p:style>
+          <a:lnRef idx="1">
+            <a:schemeClr val="accent1"/>
+          </a:lnRef>
+          <a:fillRef idx="0">
+            <a:schemeClr val="accent1"/>
+          </a:fillRef>
+          <a:effectRef idx="0">
+            <a:schemeClr val="accent1"/>
+          </a:effectRef>
+          <a:fontRef idx="minor">
+            <a:schemeClr val="tx1"/>
+          </a:fontRef>
+        </p:style>
+      </p:cxnSp>
+      <p:sp>
+        <p:nvSpPr>
+          <p:cNvPr id="47" name="文本框 46">
+            <a:extLst>
+              <a:ext uri="{FF2B5EF4-FFF2-40B4-BE49-F238E27FC236}">
+                <a16:creationId xmlns:a16="http://schemas.microsoft.com/office/drawing/2014/main" id="{00430671-F981-4B9B-AC3C-DA86114F11FC}"/>
+              </a:ext>
+            </a:extLst>
+          </p:cNvPr>
+          <p:cNvSpPr txBox="1"/>
+          <p:nvPr/>
+        </p:nvSpPr>
+        <p:spPr>
+          <a:xfrm>
+            <a:off x="4103950" y="3244334"/>
+            <a:ext cx="1800200" cy="369332"/>
+          </a:xfrm>
+          <a:prstGeom prst="rect">
+            <a:avLst/>
+          </a:prstGeom>
+          <a:noFill/>
+        </p:spPr>
+        <p:txBody>
+          <a:bodyPr wrap="square" rtlCol="0">
+            <a:spAutoFit/>
+          </a:bodyPr>
+          <a:lstStyle/>
+          <a:p>
+            <a:r>
+              <a:rPr lang="en-US" altLang="zh-CN"/>
+              <a:t>RPC:connect test</a:t>
+            </a:r>
+            <a:endParaRPr lang="zh-CN" altLang="en-US"/>
+          </a:p>
+        </p:txBody>
+      </p:sp>
+      <p:cxnSp>
+        <p:nvCxnSpPr>
+          <p:cNvPr id="49" name="直接箭头连接符 48">
+            <a:extLst>
+              <a:ext uri="{FF2B5EF4-FFF2-40B4-BE49-F238E27FC236}">
+                <a16:creationId xmlns:a16="http://schemas.microsoft.com/office/drawing/2014/main" id="{9847380B-9F53-4275-8B69-867FE9A2C26B}"/>
+              </a:ext>
+            </a:extLst>
+          </p:cNvPr>
+          <p:cNvCxnSpPr>
+            <a:cxnSpLocks/>
+            <a:endCxn id="39" idx="0"/>
+          </p:cNvCxnSpPr>
+          <p:nvPr/>
+        </p:nvCxnSpPr>
+        <p:spPr>
+          <a:xfrm flipH="1">
+            <a:off x="3399549" y="4235087"/>
+            <a:ext cx="620746" cy="686925"/>
+          </a:xfrm>
+          <a:prstGeom prst="straightConnector1">
+            <a:avLst/>
+          </a:prstGeom>
+          <a:ln>
+            <a:tailEnd type="arrow"/>
+          </a:ln>
+        </p:spPr>
+        <p:style>
+          <a:lnRef idx="1">
+            <a:schemeClr val="accent1"/>
+          </a:lnRef>
+          <a:fillRef idx="0">
+            <a:schemeClr val="accent1"/>
+          </a:fillRef>
+          <a:effectRef idx="0">
+            <a:schemeClr val="accent1"/>
+          </a:effectRef>
+          <a:fontRef idx="minor">
+            <a:schemeClr val="tx1"/>
+          </a:fontRef>
+        </p:style>
+      </p:cxnSp>
+      <p:cxnSp>
+        <p:nvCxnSpPr>
+          <p:cNvPr id="51" name="直接箭头连接符 50">
+            <a:extLst>
+              <a:ext uri="{FF2B5EF4-FFF2-40B4-BE49-F238E27FC236}">
+                <a16:creationId xmlns:a16="http://schemas.microsoft.com/office/drawing/2014/main" id="{5C73DAC3-2862-43BD-9437-61F00C461EC2}"/>
+              </a:ext>
+            </a:extLst>
+          </p:cNvPr>
+          <p:cNvCxnSpPr>
+            <a:cxnSpLocks/>
+            <a:endCxn id="41" idx="0"/>
+          </p:cNvCxnSpPr>
+          <p:nvPr/>
+        </p:nvCxnSpPr>
+        <p:spPr>
+          <a:xfrm>
+            <a:off x="4171314" y="4235087"/>
+            <a:ext cx="599464" cy="708525"/>
+          </a:xfrm>
+          <a:prstGeom prst="straightConnector1">
+            <a:avLst/>
+          </a:prstGeom>
+          <a:ln>
+            <a:tailEnd type="arrow"/>
+          </a:ln>
+        </p:spPr>
+        <p:style>
+          <a:lnRef idx="1">
+            <a:schemeClr val="accent1"/>
+          </a:lnRef>
+          <a:fillRef idx="0">
+            <a:schemeClr val="accent1"/>
+          </a:fillRef>
+          <a:effectRef idx="0">
+            <a:schemeClr val="accent1"/>
+          </a:effectRef>
+          <a:fontRef idx="minor">
+            <a:schemeClr val="tx1"/>
+          </a:fontRef>
+        </p:style>
+      </p:cxnSp>
+      <p:sp>
+        <p:nvSpPr>
+          <p:cNvPr id="57" name="文本框 56">
+            <a:extLst>
+              <a:ext uri="{FF2B5EF4-FFF2-40B4-BE49-F238E27FC236}">
+                <a16:creationId xmlns:a16="http://schemas.microsoft.com/office/drawing/2014/main" id="{2C5FD911-DC7E-4C2B-9980-B058F00AF543}"/>
+              </a:ext>
+            </a:extLst>
+          </p:cNvPr>
+          <p:cNvSpPr txBox="1"/>
+          <p:nvPr/>
+        </p:nvSpPr>
+        <p:spPr>
+          <a:xfrm>
+            <a:off x="3744137" y="4220017"/>
+            <a:ext cx="796436" cy="369332"/>
+          </a:xfrm>
+          <a:prstGeom prst="rect">
+            <a:avLst/>
+          </a:prstGeom>
+          <a:noFill/>
+        </p:spPr>
+        <p:txBody>
+          <a:bodyPr wrap="none" rtlCol="0">
+            <a:spAutoFit/>
+          </a:bodyPr>
+          <a:lstStyle/>
+          <a:p>
+            <a:r>
+              <a:rPr lang="en-US" altLang="zh-CN"/>
+              <a:t>Invoke</a:t>
+            </a:r>
+            <a:endParaRPr lang="zh-CN" altLang="en-US"/>
+          </a:p>
+        </p:txBody>
+      </p:sp>
+    </p:spTree>
+    <p:extLst>
+      <p:ext uri="{BB962C8B-B14F-4D97-AF65-F5344CB8AC3E}">
+        <p14:creationId xmlns:p14="http://schemas.microsoft.com/office/powerpoint/2010/main" val="2264559568"/>
+      </p:ext>
+    </p:extLst>
+  </p:cSld>
+  <p:clrMapOvr>
+    <a:masterClrMapping/>
+  </p:clrMapOvr>
+</p:sld>
+</file>
+
+<file path=ppt/slides/slide4.xml><?xml version="1.0" encoding="utf-8"?>
+<p:sld xmlns:a="http://schemas.openxmlformats.org/drawingml/2006/main" xmlns:r="http://schemas.openxmlformats.org/officeDocument/2006/relationships" xmlns:p="http://schemas.openxmlformats.org/presentationml/2006/main">
+  <p:cSld>
+    <p:spTree>
+      <p:nvGrpSpPr>
+        <p:cNvPr id="1" name=""/>
+        <p:cNvGrpSpPr/>
+        <p:nvPr/>
+      </p:nvGrpSpPr>
+      <p:grpSpPr>
+        <a:xfrm>
+          <a:off x="0" y="0"/>
+          <a:ext cx="0" cy="0"/>
+          <a:chOff x="0" y="0"/>
+          <a:chExt cx="0" cy="0"/>
+        </a:xfrm>
+      </p:grpSpPr>
+      <p:sp>
+        <p:nvSpPr>
+          <p:cNvPr id="13" name="圆角矩形 12"/>
+          <p:cNvSpPr/>
+          <p:nvPr/>
+        </p:nvSpPr>
+        <p:spPr>
+          <a:xfrm>
+            <a:off x="1098545" y="986408"/>
+            <a:ext cx="1724711" cy="591475"/>
+          </a:xfrm>
+          <a:prstGeom prst="roundRect">
+            <a:avLst/>
+          </a:prstGeom>
+          <a:noFill/>
+        </p:spPr>
+        <p:style>
+          <a:lnRef idx="2">
+            <a:schemeClr val="accent1">
+              <a:shade val="50000"/>
+            </a:schemeClr>
+          </a:lnRef>
+          <a:fillRef idx="1">
+            <a:schemeClr val="accent1"/>
+          </a:fillRef>
+          <a:effectRef idx="0">
+            <a:schemeClr val="accent1"/>
+          </a:effectRef>
+          <a:fontRef idx="minor">
+            <a:schemeClr val="lt1"/>
+          </a:fontRef>
+        </p:style>
+        <p:txBody>
+          <a:bodyPr rtlCol="0" anchor="ctr"/>
+          <a:lstStyle/>
+          <a:p>
+            <a:pPr algn="ctr"/>
+            <a:r>
+              <a:rPr lang="en-US" altLang="zh-CN" sz="1600">
+                <a:solidFill>
+                  <a:schemeClr val="tx1"/>
+                </a:solidFill>
+              </a:rPr>
+              <a:t>http request</a:t>
+            </a:r>
+            <a:endParaRPr lang="zh-CN" altLang="en-US" sz="1600" dirty="0">
+              <a:solidFill>
+                <a:schemeClr val="tx1"/>
+              </a:solidFill>
+            </a:endParaRPr>
+          </a:p>
+        </p:txBody>
+      </p:sp>
+      <p:cxnSp>
+        <p:nvCxnSpPr>
+          <p:cNvPr id="24" name="直接箭头连接符 23"/>
+          <p:cNvCxnSpPr>
+            <a:cxnSpLocks/>
+            <a:stCxn id="13" idx="2"/>
+            <a:endCxn id="43" idx="0"/>
+          </p:cNvCxnSpPr>
+          <p:nvPr/>
+        </p:nvCxnSpPr>
+        <p:spPr>
+          <a:xfrm>
+            <a:off x="1960901" y="1577883"/>
+            <a:ext cx="0" cy="585925"/>
+          </a:xfrm>
+          <a:prstGeom prst="straightConnector1">
+            <a:avLst/>
+          </a:prstGeom>
+          <a:ln>
+            <a:tailEnd type="arrow"/>
+          </a:ln>
+        </p:spPr>
+        <p:style>
+          <a:lnRef idx="1">
+            <a:schemeClr val="accent1"/>
+          </a:lnRef>
+          <a:fillRef idx="0">
+            <a:schemeClr val="accent1"/>
+          </a:fillRef>
+          <a:effectRef idx="0">
+            <a:schemeClr val="accent1"/>
+          </a:effectRef>
+          <a:fontRef idx="minor">
+            <a:schemeClr val="tx1"/>
+          </a:fontRef>
+        </p:style>
+      </p:cxnSp>
+      <p:sp>
+        <p:nvSpPr>
+          <p:cNvPr id="31" name="矩形 30"/>
+          <p:cNvSpPr/>
+          <p:nvPr/>
+        </p:nvSpPr>
+        <p:spPr>
+          <a:xfrm>
+            <a:off x="971600" y="3429000"/>
+            <a:ext cx="2026674" cy="1430088"/>
+          </a:xfrm>
+          <a:prstGeom prst="rect">
+            <a:avLst/>
+          </a:prstGeom>
+          <a:noFill/>
+          <a:ln>
+            <a:solidFill>
+              <a:schemeClr val="accent5"/>
+            </a:solidFill>
+          </a:ln>
+        </p:spPr>
+        <p:style>
+          <a:lnRef idx="2">
+            <a:schemeClr val="accent1">
+              <a:shade val="50000"/>
+            </a:schemeClr>
+          </a:lnRef>
+          <a:fillRef idx="1">
+            <a:schemeClr val="accent1"/>
+          </a:fillRef>
+          <a:effectRef idx="0">
+            <a:schemeClr val="accent1"/>
+          </a:effectRef>
+          <a:fontRef idx="minor">
+            <a:schemeClr val="lt1"/>
+          </a:fontRef>
+        </p:style>
+        <p:txBody>
+          <a:bodyPr rtlCol="0" anchor="ctr"/>
+          <a:lstStyle/>
+          <a:p>
+            <a:pPr algn="ctr"/>
+            <a:endParaRPr lang="zh-CN" altLang="en-US"/>
+          </a:p>
+        </p:txBody>
+      </p:sp>
+      <p:sp>
+        <p:nvSpPr>
+          <p:cNvPr id="39" name="矩形 38"/>
+          <p:cNvSpPr/>
+          <p:nvPr/>
+        </p:nvSpPr>
+        <p:spPr>
+          <a:xfrm>
+            <a:off x="1116199" y="3575550"/>
+            <a:ext cx="677145" cy="498308"/>
+          </a:xfrm>
+          <a:prstGeom prst="rect">
+            <a:avLst/>
+          </a:prstGeom>
+          <a:noFill/>
+          <a:ln>
+            <a:solidFill>
+              <a:schemeClr val="accent5">
+                <a:lumMod val="60000"/>
+                <a:lumOff val="40000"/>
+              </a:schemeClr>
+            </a:solidFill>
+          </a:ln>
+        </p:spPr>
+        <p:style>
+          <a:lnRef idx="2">
+            <a:schemeClr val="accent1">
+              <a:shade val="50000"/>
+            </a:schemeClr>
+          </a:lnRef>
+          <a:fillRef idx="1">
+            <a:schemeClr val="accent1"/>
+          </a:fillRef>
+          <a:effectRef idx="0">
+            <a:schemeClr val="accent1"/>
+          </a:effectRef>
+          <a:fontRef idx="minor">
+            <a:schemeClr val="lt1"/>
+          </a:fontRef>
+        </p:style>
+        <p:txBody>
+          <a:bodyPr rtlCol="0" anchor="ctr"/>
+          <a:lstStyle/>
+          <a:p>
+            <a:pPr algn="ctr"/>
+            <a:r>
+              <a:rPr lang="en-US" altLang="zh-CN" dirty="0">
+                <a:solidFill>
+                  <a:schemeClr val="tx1"/>
+                </a:solidFill>
+              </a:rPr>
+              <a:t>hive</a:t>
+            </a:r>
+            <a:endParaRPr lang="zh-CN" altLang="en-US" dirty="0">
+              <a:solidFill>
+                <a:schemeClr val="tx1"/>
+              </a:solidFill>
+            </a:endParaRPr>
+          </a:p>
+        </p:txBody>
+      </p:sp>
+      <p:sp>
+        <p:nvSpPr>
+          <p:cNvPr id="40" name="矩形 39"/>
+          <p:cNvSpPr/>
+          <p:nvPr/>
+        </p:nvSpPr>
+        <p:spPr>
+          <a:xfrm>
+            <a:off x="1116200" y="4245222"/>
+            <a:ext cx="658348" cy="498308"/>
+          </a:xfrm>
+          <a:prstGeom prst="rect">
+            <a:avLst/>
+          </a:prstGeom>
+          <a:noFill/>
+          <a:ln>
+            <a:solidFill>
+              <a:schemeClr val="accent5">
+                <a:lumMod val="60000"/>
+                <a:lumOff val="40000"/>
+              </a:schemeClr>
+            </a:solidFill>
+          </a:ln>
+        </p:spPr>
+        <p:style>
+          <a:lnRef idx="2">
+            <a:schemeClr val="accent1">
+              <a:shade val="50000"/>
+            </a:schemeClr>
+          </a:lnRef>
+          <a:fillRef idx="1">
+            <a:schemeClr val="accent1"/>
+          </a:fillRef>
+          <a:effectRef idx="0">
+            <a:schemeClr val="accent1"/>
+          </a:effectRef>
+          <a:fontRef idx="minor">
+            <a:schemeClr val="lt1"/>
+          </a:fontRef>
+        </p:style>
+        <p:txBody>
+          <a:bodyPr rtlCol="0" anchor="ctr"/>
+          <a:lstStyle/>
+          <a:p>
+            <a:pPr algn="ctr"/>
+            <a:r>
+              <a:rPr lang="en-US" altLang="zh-CN" dirty="0">
+                <a:solidFill>
+                  <a:schemeClr val="tx1"/>
+                </a:solidFill>
+              </a:rPr>
+              <a:t>es</a:t>
+            </a:r>
+            <a:endParaRPr lang="zh-CN" altLang="en-US" dirty="0">
+              <a:solidFill>
+                <a:schemeClr val="tx1"/>
+              </a:solidFill>
+            </a:endParaRPr>
+          </a:p>
+        </p:txBody>
+      </p:sp>
+      <p:sp>
+        <p:nvSpPr>
+          <p:cNvPr id="41" name="矩形 40"/>
+          <p:cNvSpPr/>
+          <p:nvPr/>
+        </p:nvSpPr>
+        <p:spPr>
+          <a:xfrm>
+            <a:off x="2164957" y="3597150"/>
+            <a:ext cx="738454" cy="498308"/>
+          </a:xfrm>
+          <a:prstGeom prst="rect">
+            <a:avLst/>
+          </a:prstGeom>
+          <a:noFill/>
+          <a:ln>
+            <a:solidFill>
+              <a:schemeClr val="accent5">
+                <a:lumMod val="60000"/>
+                <a:lumOff val="40000"/>
+              </a:schemeClr>
+            </a:solidFill>
+          </a:ln>
+        </p:spPr>
+        <p:style>
+          <a:lnRef idx="2">
+            <a:schemeClr val="accent1">
+              <a:shade val="50000"/>
+            </a:schemeClr>
+          </a:lnRef>
+          <a:fillRef idx="1">
+            <a:schemeClr val="accent1"/>
+          </a:fillRef>
+          <a:effectRef idx="0">
+            <a:schemeClr val="accent1"/>
+          </a:effectRef>
+          <a:fontRef idx="minor">
+            <a:schemeClr val="lt1"/>
+          </a:fontRef>
+        </p:style>
+        <p:txBody>
+          <a:bodyPr rtlCol="0" anchor="ctr"/>
+          <a:lstStyle/>
+          <a:p>
+            <a:pPr algn="ctr"/>
+            <a:r>
+              <a:rPr lang="en-US" altLang="zh-CN" dirty="0">
+                <a:solidFill>
+                  <a:schemeClr val="tx1"/>
+                </a:solidFill>
+              </a:rPr>
+              <a:t>kafka</a:t>
+            </a:r>
+            <a:endParaRPr lang="zh-CN" altLang="en-US" dirty="0">
+              <a:solidFill>
+                <a:schemeClr val="tx1"/>
+              </a:solidFill>
+            </a:endParaRPr>
+          </a:p>
+        </p:txBody>
+      </p:sp>
+      <p:sp>
+        <p:nvSpPr>
+          <p:cNvPr id="42" name="矩形 41"/>
+          <p:cNvSpPr/>
+          <p:nvPr/>
+        </p:nvSpPr>
+        <p:spPr>
+          <a:xfrm>
+            <a:off x="2164957" y="4220093"/>
+            <a:ext cx="738454" cy="498308"/>
+          </a:xfrm>
+          <a:prstGeom prst="rect">
+            <a:avLst/>
+          </a:prstGeom>
+          <a:noFill/>
+          <a:ln>
+            <a:solidFill>
+              <a:schemeClr val="accent5">
+                <a:lumMod val="60000"/>
+                <a:lumOff val="40000"/>
+              </a:schemeClr>
+            </a:solidFill>
+          </a:ln>
+        </p:spPr>
+        <p:style>
+          <a:lnRef idx="2">
+            <a:schemeClr val="accent1">
+              <a:shade val="50000"/>
+            </a:schemeClr>
+          </a:lnRef>
+          <a:fillRef idx="1">
+            <a:schemeClr val="accent1"/>
+          </a:fillRef>
+          <a:effectRef idx="0">
+            <a:schemeClr val="accent1"/>
+          </a:effectRef>
+          <a:fontRef idx="minor">
+            <a:schemeClr val="lt1"/>
+          </a:fontRef>
+        </p:style>
+        <p:txBody>
+          <a:bodyPr rtlCol="0" anchor="ctr"/>
+          <a:lstStyle/>
+          <a:p>
+            <a:pPr algn="ctr"/>
+            <a:r>
+              <a:rPr lang="en-US" altLang="zh-CN" dirty="0" err="1">
+                <a:solidFill>
+                  <a:schemeClr val="tx1"/>
+                </a:solidFill>
+              </a:rPr>
+              <a:t>mysql</a:t>
+            </a:r>
+            <a:endParaRPr lang="zh-CN" altLang="en-US" dirty="0">
+              <a:solidFill>
+                <a:schemeClr val="tx1"/>
+              </a:solidFill>
+            </a:endParaRPr>
+          </a:p>
+        </p:txBody>
+      </p:sp>
+      <p:sp>
+        <p:nvSpPr>
+          <p:cNvPr id="44" name="TextBox 43"/>
+          <p:cNvSpPr txBox="1"/>
+          <p:nvPr/>
+        </p:nvSpPr>
+        <p:spPr>
+          <a:xfrm>
+            <a:off x="443645" y="2277567"/>
+            <a:ext cx="2967035" cy="338554"/>
+          </a:xfrm>
+          <a:prstGeom prst="rect">
+            <a:avLst/>
+          </a:prstGeom>
+          <a:noFill/>
+        </p:spPr>
+        <p:txBody>
+          <a:bodyPr wrap="square" rtlCol="0">
+            <a:spAutoFit/>
+          </a:bodyPr>
+          <a:lstStyle/>
+          <a:p>
+            <a:pPr algn="ctr"/>
+            <a:r>
+              <a:rPr lang="en-US" altLang="zh-CN" sz="1600" b="1">
+                <a:solidFill>
+                  <a:schemeClr val="tx2">
+                    <a:lumMod val="60000"/>
+                    <a:lumOff val="40000"/>
+                  </a:schemeClr>
+                </a:solidFill>
+              </a:rPr>
+              <a:t>Linkis MateStore Server</a:t>
+            </a:r>
+            <a:endParaRPr lang="zh-CN" altLang="en-US" sz="1600" b="1" dirty="0">
+              <a:solidFill>
+                <a:schemeClr val="tx2">
+                  <a:lumMod val="60000"/>
+                  <a:lumOff val="40000"/>
+                </a:schemeClr>
+              </a:solidFill>
+            </a:endParaRPr>
+          </a:p>
+        </p:txBody>
+      </p:sp>
+      <p:sp>
+        <p:nvSpPr>
+          <p:cNvPr id="11" name="文本框 10">
+            <a:extLst>
+              <a:ext uri="{FF2B5EF4-FFF2-40B4-BE49-F238E27FC236}">
+                <a16:creationId xmlns:a16="http://schemas.microsoft.com/office/drawing/2014/main" id="{D93159C7-A6BC-420D-8A39-81BB9BDAFA6F}"/>
+              </a:ext>
+            </a:extLst>
+          </p:cNvPr>
+          <p:cNvSpPr txBox="1"/>
+          <p:nvPr/>
+        </p:nvSpPr>
+        <p:spPr>
+          <a:xfrm>
+            <a:off x="1728099" y="1628800"/>
+            <a:ext cx="1095153" cy="369332"/>
+          </a:xfrm>
+          <a:prstGeom prst="rect">
+            <a:avLst/>
+          </a:prstGeom>
+          <a:noFill/>
+        </p:spPr>
+        <p:txBody>
+          <a:bodyPr wrap="square" rtlCol="0">
+            <a:spAutoFit/>
+          </a:bodyPr>
+          <a:lstStyle/>
+          <a:p>
+            <a:r>
+              <a:rPr lang="en-US" altLang="zh-CN">
+                <a:latin typeface="等线" panose="02010600030101010101" pitchFamily="2" charset="-122"/>
+                <a:ea typeface="等线" panose="02010600030101010101" pitchFamily="2" charset="-122"/>
+              </a:rPr>
+              <a:t>① </a:t>
+            </a:r>
+            <a:r>
+              <a:rPr lang="en-US" altLang="zh-CN"/>
+              <a:t>HTTP</a:t>
+            </a:r>
+            <a:endParaRPr lang="zh-CN" altLang="en-US"/>
+          </a:p>
+        </p:txBody>
+      </p:sp>
+      <p:sp>
+        <p:nvSpPr>
+          <p:cNvPr id="43" name="矩形 42">
+            <a:extLst>
+              <a:ext uri="{FF2B5EF4-FFF2-40B4-BE49-F238E27FC236}">
+                <a16:creationId xmlns:a16="http://schemas.microsoft.com/office/drawing/2014/main" id="{649950C7-FC0F-4CC6-94F4-C9DB3B5D1079}"/>
+              </a:ext>
+            </a:extLst>
+          </p:cNvPr>
+          <p:cNvSpPr/>
+          <p:nvPr/>
+        </p:nvSpPr>
+        <p:spPr>
+          <a:xfrm>
+            <a:off x="688952" y="2163808"/>
+            <a:ext cx="2543898" cy="2849368"/>
+          </a:xfrm>
+          <a:prstGeom prst="rect">
+            <a:avLst/>
+          </a:prstGeom>
+          <a:noFill/>
+        </p:spPr>
+        <p:style>
+          <a:lnRef idx="2">
+            <a:schemeClr val="accent1">
+              <a:shade val="50000"/>
+            </a:schemeClr>
+          </a:lnRef>
+          <a:fillRef idx="1">
+            <a:schemeClr val="accent1"/>
+          </a:fillRef>
+          <a:effectRef idx="0">
+            <a:schemeClr val="accent1"/>
+          </a:effectRef>
+          <a:fontRef idx="minor">
+            <a:schemeClr val="lt1"/>
+          </a:fontRef>
+        </p:style>
+        <p:txBody>
+          <a:bodyPr rtlCol="0" anchor="ctr"/>
+          <a:lstStyle/>
+          <a:p>
+            <a:pPr algn="ctr"/>
+            <a:endParaRPr lang="zh-CN" altLang="en-US"/>
+          </a:p>
+        </p:txBody>
+      </p:sp>
+      <p:cxnSp>
+        <p:nvCxnSpPr>
+          <p:cNvPr id="49" name="直接箭头连接符 48">
+            <a:extLst>
+              <a:ext uri="{FF2B5EF4-FFF2-40B4-BE49-F238E27FC236}">
+                <a16:creationId xmlns:a16="http://schemas.microsoft.com/office/drawing/2014/main" id="{9847380B-9F53-4275-8B69-867FE9A2C26B}"/>
+              </a:ext>
+            </a:extLst>
+          </p:cNvPr>
+          <p:cNvCxnSpPr>
+            <a:cxnSpLocks/>
+            <a:stCxn id="44" idx="2"/>
+            <a:endCxn id="39" idx="0"/>
+          </p:cNvCxnSpPr>
+          <p:nvPr/>
+        </p:nvCxnSpPr>
+        <p:spPr>
+          <a:xfrm flipH="1">
+            <a:off x="1454772" y="2616121"/>
+            <a:ext cx="472391" cy="959429"/>
+          </a:xfrm>
+          <a:prstGeom prst="straightConnector1">
+            <a:avLst/>
+          </a:prstGeom>
+          <a:ln>
+            <a:tailEnd type="arrow"/>
+          </a:ln>
+        </p:spPr>
+        <p:style>
+          <a:lnRef idx="1">
+            <a:schemeClr val="accent1"/>
+          </a:lnRef>
+          <a:fillRef idx="0">
+            <a:schemeClr val="accent1"/>
+          </a:fillRef>
+          <a:effectRef idx="0">
+            <a:schemeClr val="accent1"/>
+          </a:effectRef>
+          <a:fontRef idx="minor">
+            <a:schemeClr val="tx1"/>
+          </a:fontRef>
+        </p:style>
+      </p:cxnSp>
+      <p:cxnSp>
+        <p:nvCxnSpPr>
+          <p:cNvPr id="51" name="直接箭头连接符 50">
+            <a:extLst>
+              <a:ext uri="{FF2B5EF4-FFF2-40B4-BE49-F238E27FC236}">
+                <a16:creationId xmlns:a16="http://schemas.microsoft.com/office/drawing/2014/main" id="{5C73DAC3-2862-43BD-9437-61F00C461EC2}"/>
+              </a:ext>
+            </a:extLst>
+          </p:cNvPr>
+          <p:cNvCxnSpPr>
+            <a:cxnSpLocks/>
+            <a:endCxn id="41" idx="0"/>
+          </p:cNvCxnSpPr>
+          <p:nvPr/>
+        </p:nvCxnSpPr>
+        <p:spPr>
+          <a:xfrm>
+            <a:off x="1959412" y="2637907"/>
+            <a:ext cx="574772" cy="959243"/>
+          </a:xfrm>
+          <a:prstGeom prst="straightConnector1">
+            <a:avLst/>
+          </a:prstGeom>
+          <a:ln>
+            <a:tailEnd type="arrow"/>
+          </a:ln>
+        </p:spPr>
+        <p:style>
+          <a:lnRef idx="1">
+            <a:schemeClr val="accent1"/>
+          </a:lnRef>
+          <a:fillRef idx="0">
+            <a:schemeClr val="accent1"/>
+          </a:fillRef>
+          <a:effectRef idx="0">
+            <a:schemeClr val="accent1"/>
+          </a:effectRef>
+          <a:fontRef idx="minor">
+            <a:schemeClr val="tx1"/>
+          </a:fontRef>
+        </p:style>
+      </p:cxnSp>
+      <p:sp>
+        <p:nvSpPr>
+          <p:cNvPr id="57" name="文本框 56">
+            <a:extLst>
+              <a:ext uri="{FF2B5EF4-FFF2-40B4-BE49-F238E27FC236}">
+                <a16:creationId xmlns:a16="http://schemas.microsoft.com/office/drawing/2014/main" id="{2C5FD911-DC7E-4C2B-9980-B058F00AF543}"/>
+              </a:ext>
+            </a:extLst>
+          </p:cNvPr>
+          <p:cNvSpPr txBox="1"/>
+          <p:nvPr/>
+        </p:nvSpPr>
+        <p:spPr>
+          <a:xfrm>
+            <a:off x="1510051" y="2565684"/>
+            <a:ext cx="1141703" cy="369332"/>
+          </a:xfrm>
+          <a:prstGeom prst="rect">
+            <a:avLst/>
+          </a:prstGeom>
+          <a:noFill/>
+        </p:spPr>
+        <p:txBody>
+          <a:bodyPr wrap="square" rtlCol="0">
+            <a:spAutoFit/>
+          </a:bodyPr>
+          <a:lstStyle/>
+          <a:p>
+            <a:r>
+              <a:rPr lang="en-US" altLang="zh-CN">
+                <a:latin typeface="等线" panose="02010600030101010101" pitchFamily="2" charset="-122"/>
+                <a:ea typeface="等线" panose="02010600030101010101" pitchFamily="2" charset="-122"/>
+              </a:rPr>
+              <a:t>② </a:t>
+            </a:r>
+            <a:r>
+              <a:rPr lang="en-US" altLang="zh-CN"/>
+              <a:t>Invoke</a:t>
+            </a:r>
+            <a:endParaRPr lang="zh-CN" altLang="en-US"/>
+          </a:p>
+        </p:txBody>
+      </p:sp>
+      <p:sp>
+        <p:nvSpPr>
+          <p:cNvPr id="26" name="矩形 25">
+            <a:extLst>
+              <a:ext uri="{FF2B5EF4-FFF2-40B4-BE49-F238E27FC236}">
+                <a16:creationId xmlns:a16="http://schemas.microsoft.com/office/drawing/2014/main" id="{4BA1FEB8-2B69-4CF1-A3E2-65F192ADE10F}"/>
+              </a:ext>
+            </a:extLst>
+          </p:cNvPr>
+          <p:cNvSpPr/>
+          <p:nvPr/>
+        </p:nvSpPr>
+        <p:spPr>
+          <a:xfrm>
+            <a:off x="3995936" y="2405217"/>
+            <a:ext cx="2611058" cy="886313"/>
+          </a:xfrm>
+          <a:prstGeom prst="rect">
+            <a:avLst/>
+          </a:prstGeom>
+          <a:noFill/>
+        </p:spPr>
+        <p:style>
+          <a:lnRef idx="2">
+            <a:schemeClr val="accent1">
+              <a:shade val="50000"/>
+            </a:schemeClr>
+          </a:lnRef>
+          <a:fillRef idx="1">
+            <a:schemeClr val="accent1"/>
+          </a:fillRef>
+          <a:effectRef idx="0">
+            <a:schemeClr val="accent1"/>
+          </a:effectRef>
+          <a:fontRef idx="minor">
+            <a:schemeClr val="lt1"/>
+          </a:fontRef>
+        </p:style>
+        <p:txBody>
+          <a:bodyPr rtlCol="0" anchor="ctr"/>
+          <a:lstStyle/>
+          <a:p>
+            <a:pPr algn="ctr"/>
+            <a:endParaRPr lang="zh-CN" altLang="en-US"/>
+          </a:p>
+        </p:txBody>
+      </p:sp>
+      <p:sp>
+        <p:nvSpPr>
+          <p:cNvPr id="28" name="TextBox 14">
+            <a:extLst>
+              <a:ext uri="{FF2B5EF4-FFF2-40B4-BE49-F238E27FC236}">
+                <a16:creationId xmlns:a16="http://schemas.microsoft.com/office/drawing/2014/main" id="{ED2569EF-F54E-4288-8FB1-85258AA87D1C}"/>
+              </a:ext>
+            </a:extLst>
+          </p:cNvPr>
+          <p:cNvSpPr txBox="1"/>
+          <p:nvPr/>
+        </p:nvSpPr>
+        <p:spPr>
+          <a:xfrm>
+            <a:off x="4328073" y="2514344"/>
+            <a:ext cx="2270782" cy="646331"/>
+          </a:xfrm>
+          <a:prstGeom prst="rect">
+            <a:avLst/>
+          </a:prstGeom>
+          <a:noFill/>
+        </p:spPr>
+        <p:txBody>
+          <a:bodyPr wrap="square" rtlCol="0">
+            <a:spAutoFit/>
+          </a:bodyPr>
+          <a:lstStyle/>
+          <a:p>
+            <a:pPr algn="ctr"/>
+            <a:r>
+              <a:rPr lang="en-US" altLang="zh-CN" b="1">
+                <a:solidFill>
+                  <a:schemeClr val="tx2">
+                    <a:lumMod val="60000"/>
+                    <a:lumOff val="40000"/>
+                  </a:schemeClr>
+                </a:solidFill>
+              </a:rPr>
+              <a:t>Linkis DataSource </a:t>
+            </a:r>
+          </a:p>
+          <a:p>
+            <a:pPr algn="ctr"/>
+            <a:r>
+              <a:rPr lang="en-US" altLang="zh-CN" b="1">
+                <a:solidFill>
+                  <a:schemeClr val="tx2">
+                    <a:lumMod val="60000"/>
+                    <a:lumOff val="40000"/>
+                  </a:schemeClr>
+                </a:solidFill>
+              </a:rPr>
+              <a:t>Manager </a:t>
+            </a:r>
+            <a:r>
+              <a:rPr lang="en-US" altLang="zh-CN" b="1" dirty="0">
+                <a:solidFill>
+                  <a:schemeClr val="tx2">
+                    <a:lumMod val="60000"/>
+                    <a:lumOff val="40000"/>
+                  </a:schemeClr>
+                </a:solidFill>
+              </a:rPr>
+              <a:t>Server</a:t>
+            </a:r>
+            <a:endParaRPr lang="zh-CN" altLang="en-US" b="1" dirty="0">
+              <a:solidFill>
+                <a:schemeClr val="tx2">
+                  <a:lumMod val="60000"/>
+                  <a:lumOff val="40000"/>
+                </a:schemeClr>
+              </a:solidFill>
+            </a:endParaRPr>
+          </a:p>
+        </p:txBody>
+      </p:sp>
+      <p:sp>
+        <p:nvSpPr>
+          <p:cNvPr id="29" name="流程图: 磁盘 28">
+            <a:extLst>
+              <a:ext uri="{FF2B5EF4-FFF2-40B4-BE49-F238E27FC236}">
+                <a16:creationId xmlns:a16="http://schemas.microsoft.com/office/drawing/2014/main" id="{FD6707DC-E6E7-40C7-A62A-4DBD45BC22FF}"/>
+              </a:ext>
+            </a:extLst>
+          </p:cNvPr>
+          <p:cNvSpPr/>
+          <p:nvPr/>
+        </p:nvSpPr>
+        <p:spPr>
+          <a:xfrm>
+            <a:off x="7285844" y="2204864"/>
+            <a:ext cx="726189" cy="628509"/>
+          </a:xfrm>
+          <a:prstGeom prst="flowChartMagneticDisk">
+            <a:avLst/>
+          </a:prstGeom>
+          <a:noFill/>
+        </p:spPr>
+        <p:style>
+          <a:lnRef idx="2">
+            <a:schemeClr val="accent1">
+              <a:shade val="50000"/>
+            </a:schemeClr>
+          </a:lnRef>
+          <a:fillRef idx="1">
+            <a:schemeClr val="accent1"/>
+          </a:fillRef>
+          <a:effectRef idx="0">
+            <a:schemeClr val="accent1"/>
+          </a:effectRef>
+          <a:fontRef idx="minor">
+            <a:schemeClr val="lt1"/>
+          </a:fontRef>
+        </p:style>
+        <p:txBody>
+          <a:bodyPr rtlCol="0" anchor="ctr"/>
+          <a:lstStyle/>
+          <a:p>
+            <a:pPr algn="ctr"/>
+            <a:r>
+              <a:rPr lang="en-US" altLang="zh-CN" sz="1600">
+                <a:solidFill>
+                  <a:schemeClr val="tx1"/>
+                </a:solidFill>
+              </a:rPr>
+              <a:t>Mysql</a:t>
+            </a:r>
+            <a:r>
+              <a:rPr lang="en-US" altLang="zh-CN" sz="1600" b="1">
+                <a:solidFill>
+                  <a:schemeClr val="tx1"/>
+                </a:solidFill>
+              </a:rPr>
+              <a:t> </a:t>
+            </a:r>
+            <a:endParaRPr lang="en-US" altLang="zh-CN" sz="1600" b="1" dirty="0">
+              <a:solidFill>
+                <a:schemeClr val="tx1"/>
+              </a:solidFill>
+            </a:endParaRPr>
+          </a:p>
+        </p:txBody>
+      </p:sp>
+      <p:cxnSp>
+        <p:nvCxnSpPr>
+          <p:cNvPr id="30" name="直接箭头连接符 29">
+            <a:extLst>
+              <a:ext uri="{FF2B5EF4-FFF2-40B4-BE49-F238E27FC236}">
+                <a16:creationId xmlns:a16="http://schemas.microsoft.com/office/drawing/2014/main" id="{48EFD4F9-8777-421E-A1C3-4300C605960B}"/>
+              </a:ext>
+            </a:extLst>
+          </p:cNvPr>
+          <p:cNvCxnSpPr>
+            <a:cxnSpLocks/>
+            <a:stCxn id="28" idx="3"/>
+            <a:endCxn id="29" idx="2"/>
+          </p:cNvCxnSpPr>
+          <p:nvPr/>
+        </p:nvCxnSpPr>
+        <p:spPr>
+          <a:xfrm flipV="1">
+            <a:off x="6598855" y="2519119"/>
+            <a:ext cx="686989" cy="318391"/>
+          </a:xfrm>
+          <a:prstGeom prst="straightConnector1">
+            <a:avLst/>
+          </a:prstGeom>
+          <a:ln>
+            <a:tailEnd type="arrow"/>
+          </a:ln>
+        </p:spPr>
+        <p:style>
+          <a:lnRef idx="1">
+            <a:schemeClr val="accent1"/>
+          </a:lnRef>
+          <a:fillRef idx="0">
+            <a:schemeClr val="accent1"/>
+          </a:fillRef>
+          <a:effectRef idx="0">
+            <a:schemeClr val="accent1"/>
+          </a:effectRef>
+          <a:fontRef idx="minor">
+            <a:schemeClr val="tx1"/>
+          </a:fontRef>
+        </p:style>
+      </p:cxnSp>
+      <p:sp>
+        <p:nvSpPr>
+          <p:cNvPr id="32" name="流程图: 磁盘 31">
+            <a:extLst>
+              <a:ext uri="{FF2B5EF4-FFF2-40B4-BE49-F238E27FC236}">
+                <a16:creationId xmlns:a16="http://schemas.microsoft.com/office/drawing/2014/main" id="{004894D9-3247-467E-A32F-FCC8020C01D3}"/>
+              </a:ext>
+            </a:extLst>
+          </p:cNvPr>
+          <p:cNvSpPr/>
+          <p:nvPr/>
+        </p:nvSpPr>
+        <p:spPr>
+          <a:xfrm>
+            <a:off x="7293984" y="2829785"/>
+            <a:ext cx="702151" cy="583545"/>
+          </a:xfrm>
+          <a:prstGeom prst="flowChartMagneticDisk">
+            <a:avLst/>
+          </a:prstGeom>
+          <a:noFill/>
+        </p:spPr>
+        <p:style>
+          <a:lnRef idx="2">
+            <a:schemeClr val="accent1">
+              <a:shade val="50000"/>
+            </a:schemeClr>
+          </a:lnRef>
+          <a:fillRef idx="1">
+            <a:schemeClr val="accent1"/>
+          </a:fillRef>
+          <a:effectRef idx="0">
+            <a:schemeClr val="accent1"/>
+          </a:effectRef>
+          <a:fontRef idx="minor">
+            <a:schemeClr val="lt1"/>
+          </a:fontRef>
+        </p:style>
+        <p:txBody>
+          <a:bodyPr rtlCol="0" anchor="ctr"/>
+          <a:lstStyle/>
+          <a:p>
+            <a:pPr algn="ctr"/>
+            <a:r>
+              <a:rPr lang="en-US" altLang="zh-CN" sz="1600">
+                <a:solidFill>
+                  <a:schemeClr val="tx1"/>
+                </a:solidFill>
+              </a:rPr>
+              <a:t>BML</a:t>
+            </a:r>
+            <a:endParaRPr lang="en-US" altLang="zh-CN" sz="1600" dirty="0">
+              <a:solidFill>
+                <a:schemeClr val="tx1"/>
+              </a:solidFill>
+            </a:endParaRPr>
+          </a:p>
+        </p:txBody>
+      </p:sp>
+      <p:cxnSp>
+        <p:nvCxnSpPr>
+          <p:cNvPr id="33" name="直接箭头连接符 32">
+            <a:extLst>
+              <a:ext uri="{FF2B5EF4-FFF2-40B4-BE49-F238E27FC236}">
+                <a16:creationId xmlns:a16="http://schemas.microsoft.com/office/drawing/2014/main" id="{76B42765-7989-447E-A266-33BC89E70125}"/>
+              </a:ext>
+            </a:extLst>
+          </p:cNvPr>
+          <p:cNvCxnSpPr>
+            <a:cxnSpLocks/>
+            <a:stCxn id="26" idx="3"/>
+          </p:cNvCxnSpPr>
+          <p:nvPr/>
+        </p:nvCxnSpPr>
+        <p:spPr>
+          <a:xfrm>
+            <a:off x="6606994" y="2848374"/>
+            <a:ext cx="722742" cy="239122"/>
+          </a:xfrm>
+          <a:prstGeom prst="straightConnector1">
+            <a:avLst/>
+          </a:prstGeom>
+          <a:ln>
+            <a:tailEnd type="arrow"/>
+          </a:ln>
+        </p:spPr>
+        <p:style>
+          <a:lnRef idx="1">
+            <a:schemeClr val="accent1"/>
+          </a:lnRef>
+          <a:fillRef idx="0">
+            <a:schemeClr val="accent1"/>
+          </a:fillRef>
+          <a:effectRef idx="0">
+            <a:schemeClr val="accent1"/>
+          </a:effectRef>
+          <a:fontRef idx="minor">
+            <a:schemeClr val="tx1"/>
+          </a:fontRef>
+        </p:style>
+      </p:cxnSp>
+      <p:cxnSp>
+        <p:nvCxnSpPr>
+          <p:cNvPr id="34" name="直接箭头连接符 33">
+            <a:extLst>
+              <a:ext uri="{FF2B5EF4-FFF2-40B4-BE49-F238E27FC236}">
+                <a16:creationId xmlns:a16="http://schemas.microsoft.com/office/drawing/2014/main" id="{DDE10FDC-A914-433D-BE8D-7D27DC671579}"/>
+              </a:ext>
+            </a:extLst>
+          </p:cNvPr>
+          <p:cNvCxnSpPr>
+            <a:cxnSpLocks/>
+            <a:endCxn id="26" idx="1"/>
+          </p:cNvCxnSpPr>
+          <p:nvPr/>
+        </p:nvCxnSpPr>
+        <p:spPr>
+          <a:xfrm>
+            <a:off x="3240989" y="2848374"/>
+            <a:ext cx="754947" cy="0"/>
+          </a:xfrm>
+          <a:prstGeom prst="straightConnector1">
+            <a:avLst/>
+          </a:prstGeom>
+          <a:ln>
+            <a:tailEnd type="arrow"/>
+          </a:ln>
+        </p:spPr>
+        <p:style>
+          <a:lnRef idx="1">
+            <a:schemeClr val="accent1"/>
+          </a:lnRef>
+          <a:fillRef idx="0">
+            <a:schemeClr val="accent1"/>
+          </a:fillRef>
+          <a:effectRef idx="0">
+            <a:schemeClr val="accent1"/>
+          </a:effectRef>
+          <a:fontRef idx="minor">
+            <a:schemeClr val="tx1"/>
+          </a:fontRef>
+        </p:style>
+      </p:cxnSp>
+      <p:sp>
+        <p:nvSpPr>
+          <p:cNvPr id="35" name="文本框 34">
+            <a:extLst>
+              <a:ext uri="{FF2B5EF4-FFF2-40B4-BE49-F238E27FC236}">
+                <a16:creationId xmlns:a16="http://schemas.microsoft.com/office/drawing/2014/main" id="{E264BC9E-A47A-43AF-A8F8-E261E34B4AF3}"/>
+              </a:ext>
+            </a:extLst>
+          </p:cNvPr>
+          <p:cNvSpPr txBox="1"/>
+          <p:nvPr/>
+        </p:nvSpPr>
+        <p:spPr>
+          <a:xfrm>
+            <a:off x="3248772" y="2517355"/>
+            <a:ext cx="581096" cy="369332"/>
+          </a:xfrm>
+          <a:prstGeom prst="rect">
+            <a:avLst/>
+          </a:prstGeom>
+          <a:noFill/>
+        </p:spPr>
+        <p:txBody>
+          <a:bodyPr wrap="square" rtlCol="0">
+            <a:spAutoFit/>
+          </a:bodyPr>
+          <a:lstStyle/>
+          <a:p>
+            <a:r>
+              <a:rPr lang="en-US" altLang="zh-CN"/>
+              <a:t>RPC </a:t>
+            </a:r>
+          </a:p>
+        </p:txBody>
+      </p:sp>
+    </p:spTree>
+    <p:extLst>
+      <p:ext uri="{BB962C8B-B14F-4D97-AF65-F5344CB8AC3E}">
+        <p14:creationId xmlns:p14="http://schemas.microsoft.com/office/powerpoint/2010/main" val="2728434075"/>
       </p:ext>
     </p:extLst>
   </p:cSld>
